--- a/Documents/Schlusspräsentation/Schlussbericht_Präsentation_v1.pptx
+++ b/Documents/Schlusspräsentation/Schlussbericht_Präsentation_v1.pptx
@@ -3731,7 +3731,6 @@
               <a:rPr lang="de-CH" dirty="0" smtClean="0"/>
               <a:t>3 Spielmodi</a:t>
             </a:r>
-            <a:endParaRPr lang="de-CH" dirty="0" smtClean="0"/>
           </a:p>
         </p:txBody>
       </p:sp>
@@ -4137,14 +4136,28 @@
           <a:p>
             <a:r>
               <a:rPr lang="de-CH" dirty="0" smtClean="0"/>
-              <a:t>Quick Game</a:t>
-            </a:r>
-          </a:p>
-          <a:p>
+              <a:t>Quick </a:t>
+            </a:r>
             <a:r>
               <a:rPr lang="de-CH" dirty="0" smtClean="0"/>
-              <a:t>Career Game</a:t>
-            </a:r>
+              <a:t>Game</a:t>
+            </a:r>
+          </a:p>
+          <a:p>
+            <a:endParaRPr lang="de-CH" dirty="0" smtClean="0"/>
+          </a:p>
+          <a:p>
+            <a:r>
+              <a:rPr lang="de-CH" dirty="0" smtClean="0"/>
+              <a:t>Career </a:t>
+            </a:r>
+            <a:r>
+              <a:rPr lang="de-CH" dirty="0" smtClean="0"/>
+              <a:t>Game</a:t>
+            </a:r>
+          </a:p>
+          <a:p>
+            <a:endParaRPr lang="de-CH" dirty="0" smtClean="0"/>
           </a:p>
           <a:p>
             <a:r>
@@ -4154,6 +4167,96 @@
           </a:p>
         </p:txBody>
       </p:sp>
+      <p:pic>
+        <p:nvPicPr>
+          <p:cNvPr id="6" name="Grafik 5"/>
+          <p:cNvPicPr>
+            <a:picLocks noChangeAspect="1"/>
+          </p:cNvPicPr>
+          <p:nvPr/>
+        </p:nvPicPr>
+        <p:blipFill>
+          <a:blip r:embed="rId2" cstate="print">
+            <a:extLst>
+              <a:ext uri="{28A0092B-C50C-407E-A947-70E740481C1C}">
+                <a14:useLocalDpi xmlns:a14="http://schemas.microsoft.com/office/drawing/2010/main" val="0"/>
+              </a:ext>
+            </a:extLst>
+          </a:blip>
+          <a:stretch>
+            <a:fillRect/>
+          </a:stretch>
+        </p:blipFill>
+        <p:spPr>
+          <a:xfrm>
+            <a:off x="4376818" y="3981271"/>
+            <a:ext cx="1440000" cy="720000"/>
+          </a:xfrm>
+          <a:prstGeom prst="rect">
+            <a:avLst/>
+          </a:prstGeom>
+        </p:spPr>
+      </p:pic>
+      <p:pic>
+        <p:nvPicPr>
+          <p:cNvPr id="7" name="Grafik 6"/>
+          <p:cNvPicPr>
+            <a:picLocks noChangeAspect="1"/>
+          </p:cNvPicPr>
+          <p:nvPr/>
+        </p:nvPicPr>
+        <p:blipFill>
+          <a:blip r:embed="rId3" cstate="print">
+            <a:extLst>
+              <a:ext uri="{28A0092B-C50C-407E-A947-70E740481C1C}">
+                <a14:useLocalDpi xmlns:a14="http://schemas.microsoft.com/office/drawing/2010/main" val="0"/>
+              </a:ext>
+            </a:extLst>
+          </a:blip>
+          <a:stretch>
+            <a:fillRect/>
+          </a:stretch>
+        </p:blipFill>
+        <p:spPr>
+          <a:xfrm>
+            <a:off x="4384040" y="2885106"/>
+            <a:ext cx="1440000" cy="720000"/>
+          </a:xfrm>
+          <a:prstGeom prst="rect">
+            <a:avLst/>
+          </a:prstGeom>
+        </p:spPr>
+      </p:pic>
+      <p:pic>
+        <p:nvPicPr>
+          <p:cNvPr id="8" name="Grafik 7"/>
+          <p:cNvPicPr>
+            <a:picLocks noChangeAspect="1"/>
+          </p:cNvPicPr>
+          <p:nvPr/>
+        </p:nvPicPr>
+        <p:blipFill>
+          <a:blip r:embed="rId4" cstate="print">
+            <a:extLst>
+              <a:ext uri="{28A0092B-C50C-407E-A947-70E740481C1C}">
+                <a14:useLocalDpi xmlns:a14="http://schemas.microsoft.com/office/drawing/2010/main" val="0"/>
+              </a:ext>
+            </a:extLst>
+          </a:blip>
+          <a:stretch>
+            <a:fillRect/>
+          </a:stretch>
+        </p:blipFill>
+        <p:spPr>
+          <a:xfrm>
+            <a:off x="4384040" y="1788941"/>
+            <a:ext cx="1440000" cy="720000"/>
+          </a:xfrm>
+          <a:prstGeom prst="rect">
+            <a:avLst/>
+          </a:prstGeom>
+        </p:spPr>
+      </p:pic>
     </p:spTree>
     <p:extLst>
       <p:ext uri="{BB962C8B-B14F-4D97-AF65-F5344CB8AC3E}">
@@ -4215,43 +4318,21 @@
                                   </p:childTnLst>
                                 </p:cTn>
                               </p:par>
-                            </p:childTnLst>
-                          </p:cTn>
-                        </p:par>
-                      </p:childTnLst>
-                    </p:cTn>
-                  </p:par>
-                  <p:par>
-                    <p:cTn id="7" fill="hold">
-                      <p:stCondLst>
-                        <p:cond delay="indefinite"/>
-                      </p:stCondLst>
-                      <p:childTnLst>
-                        <p:par>
-                          <p:cTn id="8" fill="hold">
-                            <p:stCondLst>
-                              <p:cond delay="0"/>
-                            </p:stCondLst>
-                            <p:childTnLst>
                               <p:par>
-                                <p:cTn id="9" presetID="1" presetClass="entr" presetSubtype="0" fill="hold" nodeType="clickEffect">
+                                <p:cTn id="7" presetID="1" presetClass="entr" presetSubtype="0" fill="hold" nodeType="withEffect">
                                   <p:stCondLst>
                                     <p:cond delay="0"/>
                                   </p:stCondLst>
                                   <p:childTnLst>
                                     <p:set>
                                       <p:cBhvr>
-                                        <p:cTn id="10" dur="1" fill="hold">
+                                        <p:cTn id="8" dur="1" fill="hold">
                                           <p:stCondLst>
                                             <p:cond delay="0"/>
                                           </p:stCondLst>
                                         </p:cTn>
                                         <p:tgtEl>
-                                          <p:spTgt spid="5">
-                                            <p:txEl>
-                                              <p:pRg st="2" end="2"/>
-                                            </p:txEl>
-                                          </p:spTgt>
+                                          <p:spTgt spid="8"/>
                                         </p:tgtEl>
                                         <p:attrNameLst>
                                           <p:attrName>style.visibility</p:attrName>
@@ -4271,19 +4352,50 @@
                     </p:cTn>
                   </p:par>
                   <p:par>
-                    <p:cTn id="11" fill="hold">
+                    <p:cTn id="9" fill="hold">
                       <p:stCondLst>
                         <p:cond delay="indefinite"/>
                       </p:stCondLst>
                       <p:childTnLst>
                         <p:par>
-                          <p:cTn id="12" fill="hold">
+                          <p:cTn id="10" fill="hold">
                             <p:stCondLst>
                               <p:cond delay="0"/>
                             </p:stCondLst>
                             <p:childTnLst>
                               <p:par>
-                                <p:cTn id="13" presetID="1" presetClass="entr" presetSubtype="0" fill="hold" nodeType="clickEffect">
+                                <p:cTn id="11" presetID="1" presetClass="entr" presetSubtype="0" fill="hold" nodeType="clickEffect">
+                                  <p:stCondLst>
+                                    <p:cond delay="0"/>
+                                  </p:stCondLst>
+                                  <p:childTnLst>
+                                    <p:set>
+                                      <p:cBhvr>
+                                        <p:cTn id="12" dur="1" fill="hold">
+                                          <p:stCondLst>
+                                            <p:cond delay="0"/>
+                                          </p:stCondLst>
+                                        </p:cTn>
+                                        <p:tgtEl>
+                                          <p:spTgt spid="5">
+                                            <p:txEl>
+                                              <p:pRg st="3" end="3"/>
+                                            </p:txEl>
+                                          </p:spTgt>
+                                        </p:tgtEl>
+                                        <p:attrNameLst>
+                                          <p:attrName>style.visibility</p:attrName>
+                                        </p:attrNameLst>
+                                      </p:cBhvr>
+                                      <p:to>
+                                        <p:strVal val="visible"/>
+                                      </p:to>
+                                    </p:set>
+                                  </p:childTnLst>
+                                </p:cTn>
+                              </p:par>
+                              <p:par>
+                                <p:cTn id="13" presetID="1" presetClass="entr" presetSubtype="0" fill="hold" nodeType="withEffect">
                                   <p:stCondLst>
                                     <p:cond delay="0"/>
                                   </p:stCondLst>
@@ -4296,11 +4408,83 @@
                                           </p:stCondLst>
                                         </p:cTn>
                                         <p:tgtEl>
+                                          <p:spTgt spid="7"/>
+                                        </p:tgtEl>
+                                        <p:attrNameLst>
+                                          <p:attrName>style.visibility</p:attrName>
+                                        </p:attrNameLst>
+                                      </p:cBhvr>
+                                      <p:to>
+                                        <p:strVal val="visible"/>
+                                      </p:to>
+                                    </p:set>
+                                  </p:childTnLst>
+                                </p:cTn>
+                              </p:par>
+                            </p:childTnLst>
+                          </p:cTn>
+                        </p:par>
+                      </p:childTnLst>
+                    </p:cTn>
+                  </p:par>
+                  <p:par>
+                    <p:cTn id="15" fill="hold">
+                      <p:stCondLst>
+                        <p:cond delay="indefinite"/>
+                      </p:stCondLst>
+                      <p:childTnLst>
+                        <p:par>
+                          <p:cTn id="16" fill="hold">
+                            <p:stCondLst>
+                              <p:cond delay="0"/>
+                            </p:stCondLst>
+                            <p:childTnLst>
+                              <p:par>
+                                <p:cTn id="17" presetID="1" presetClass="entr" presetSubtype="0" fill="hold" nodeType="clickEffect">
+                                  <p:stCondLst>
+                                    <p:cond delay="0"/>
+                                  </p:stCondLst>
+                                  <p:childTnLst>
+                                    <p:set>
+                                      <p:cBhvr>
+                                        <p:cTn id="18" dur="1" fill="hold">
+                                          <p:stCondLst>
+                                            <p:cond delay="0"/>
+                                          </p:stCondLst>
+                                        </p:cTn>
+                                        <p:tgtEl>
                                           <p:spTgt spid="5">
                                             <p:txEl>
-                                              <p:pRg st="3" end="3"/>
+                                              <p:pRg st="5" end="5"/>
                                             </p:txEl>
                                           </p:spTgt>
+                                        </p:tgtEl>
+                                        <p:attrNameLst>
+                                          <p:attrName>style.visibility</p:attrName>
+                                        </p:attrNameLst>
+                                      </p:cBhvr>
+                                      <p:to>
+                                        <p:strVal val="visible"/>
+                                      </p:to>
+                                    </p:set>
+                                  </p:childTnLst>
+                                </p:cTn>
+                              </p:par>
+                              <p:par>
+                                <p:cTn id="19" presetID="1" presetClass="entr" presetSubtype="0" fill="hold" nodeType="withEffect">
+                                  <p:stCondLst>
+                                    <p:cond delay="0"/>
+                                  </p:stCondLst>
+                                  <p:childTnLst>
+                                    <p:set>
+                                      <p:cBhvr>
+                                        <p:cTn id="20" dur="1" fill="hold">
+                                          <p:stCondLst>
+                                            <p:cond delay="0"/>
+                                          </p:stCondLst>
+                                        </p:cTn>
+                                        <p:tgtEl>
+                                          <p:spTgt spid="6"/>
                                         </p:tgtEl>
                                         <p:attrNameLst>
                                           <p:attrName>style.visibility</p:attrName>
@@ -4418,6 +4602,36 @@
           </a:p>
         </p:txBody>
       </p:sp>
+      <p:pic>
+        <p:nvPicPr>
+          <p:cNvPr id="2" name="Grafik 1"/>
+          <p:cNvPicPr>
+            <a:picLocks noChangeAspect="1"/>
+          </p:cNvPicPr>
+          <p:nvPr/>
+        </p:nvPicPr>
+        <p:blipFill>
+          <a:blip r:embed="rId2">
+            <a:extLst>
+              <a:ext uri="{28A0092B-C50C-407E-A947-70E740481C1C}">
+                <a14:useLocalDpi xmlns:a14="http://schemas.microsoft.com/office/drawing/2010/main" val="0"/>
+              </a:ext>
+            </a:extLst>
+          </a:blip>
+          <a:stretch>
+            <a:fillRect/>
+          </a:stretch>
+        </p:blipFill>
+        <p:spPr>
+          <a:xfrm>
+            <a:off x="4320000" y="3960000"/>
+            <a:ext cx="3600000" cy="1800000"/>
+          </a:xfrm>
+          <a:prstGeom prst="rect">
+            <a:avLst/>
+          </a:prstGeom>
+        </p:spPr>
+      </p:pic>
     </p:spTree>
     <p:extLst>
       <p:ext uri="{BB962C8B-B14F-4D97-AF65-F5344CB8AC3E}">
@@ -4642,6 +4856,36 @@
           </a:p>
         </p:txBody>
       </p:sp>
+      <p:pic>
+        <p:nvPicPr>
+          <p:cNvPr id="2" name="Grafik 1"/>
+          <p:cNvPicPr>
+            <a:picLocks noChangeAspect="1"/>
+          </p:cNvPicPr>
+          <p:nvPr/>
+        </p:nvPicPr>
+        <p:blipFill>
+          <a:blip r:embed="rId2">
+            <a:extLst>
+              <a:ext uri="{28A0092B-C50C-407E-A947-70E740481C1C}">
+                <a14:useLocalDpi xmlns:a14="http://schemas.microsoft.com/office/drawing/2010/main" val="0"/>
+              </a:ext>
+            </a:extLst>
+          </a:blip>
+          <a:stretch>
+            <a:fillRect/>
+          </a:stretch>
+        </p:blipFill>
+        <p:spPr>
+          <a:xfrm>
+            <a:off x="4320000" y="3960000"/>
+            <a:ext cx="3600000" cy="1800000"/>
+          </a:xfrm>
+          <a:prstGeom prst="rect">
+            <a:avLst/>
+          </a:prstGeom>
+        </p:spPr>
+      </p:pic>
     </p:spTree>
     <p:extLst>
       <p:ext uri="{BB962C8B-B14F-4D97-AF65-F5344CB8AC3E}">
@@ -4908,10 +5152,39 @@
               <a:rPr lang="de-CH" dirty="0" smtClean="0"/>
               <a:t>Mehrere Schiffe</a:t>
             </a:r>
-            <a:endParaRPr lang="de-CH" dirty="0" smtClean="0"/>
-          </a:p>
-        </p:txBody>
-      </p:sp>
+          </a:p>
+        </p:txBody>
+      </p:sp>
+      <p:pic>
+        <p:nvPicPr>
+          <p:cNvPr id="2" name="Grafik 1"/>
+          <p:cNvPicPr>
+            <a:picLocks noChangeAspect="1"/>
+          </p:cNvPicPr>
+          <p:nvPr/>
+        </p:nvPicPr>
+        <p:blipFill>
+          <a:blip r:embed="rId2">
+            <a:extLst>
+              <a:ext uri="{28A0092B-C50C-407E-A947-70E740481C1C}">
+                <a14:useLocalDpi xmlns:a14="http://schemas.microsoft.com/office/drawing/2010/main" val="0"/>
+              </a:ext>
+            </a:extLst>
+          </a:blip>
+          <a:stretch>
+            <a:fillRect/>
+          </a:stretch>
+        </p:blipFill>
+        <p:spPr>
+          <a:xfrm>
+            <a:off x="4320000" y="3960000"/>
+            <a:ext cx="3600000" cy="1800000"/>
+          </a:xfrm>
+          <a:prstGeom prst="rect">
+            <a:avLst/>
+          </a:prstGeom>
+        </p:spPr>
+      </p:pic>
     </p:spTree>
     <p:extLst>
       <p:ext uri="{BB962C8B-B14F-4D97-AF65-F5344CB8AC3E}">

--- a/Documents/Schlusspräsentation/Schlussbericht_Präsentation_v1.pptx
+++ b/Documents/Schlusspräsentation/Schlussbericht_Präsentation_v1.pptx
@@ -4136,24 +4136,16 @@
           <a:p>
             <a:r>
               <a:rPr lang="de-CH" dirty="0" smtClean="0"/>
-              <a:t>Quick </a:t>
-            </a:r>
+              <a:t>Quick Game</a:t>
+            </a:r>
+          </a:p>
+          <a:p>
+            <a:endParaRPr lang="de-CH" dirty="0" smtClean="0"/>
+          </a:p>
+          <a:p>
             <a:r>
               <a:rPr lang="de-CH" dirty="0" smtClean="0"/>
-              <a:t>Game</a:t>
-            </a:r>
-          </a:p>
-          <a:p>
-            <a:endParaRPr lang="de-CH" dirty="0" smtClean="0"/>
-          </a:p>
-          <a:p>
-            <a:r>
-              <a:rPr lang="de-CH" dirty="0" smtClean="0"/>
-              <a:t>Career </a:t>
-            </a:r>
-            <a:r>
-              <a:rPr lang="de-CH" dirty="0" smtClean="0"/>
-              <a:t>Game</a:t>
+              <a:t>Career Game</a:t>
             </a:r>
           </a:p>
           <a:p>
@@ -4189,7 +4181,7 @@
         </p:blipFill>
         <p:spPr>
           <a:xfrm>
-            <a:off x="4376818" y="3981271"/>
+            <a:off x="4384040" y="1788941"/>
             <a:ext cx="1440000" cy="720000"/>
           </a:xfrm>
           <a:prstGeom prst="rect">
@@ -4229,7 +4221,7 @@
       </p:pic>
       <p:pic>
         <p:nvPicPr>
-          <p:cNvPr id="8" name="Grafik 7"/>
+          <p:cNvPr id="9" name="Grafik 8"/>
           <p:cNvPicPr>
             <a:picLocks noChangeAspect="1"/>
           </p:cNvPicPr>
@@ -4249,7 +4241,7 @@
         </p:blipFill>
         <p:spPr>
           <a:xfrm>
-            <a:off x="4384040" y="1788941"/>
+            <a:off x="4376757" y="3981271"/>
             <a:ext cx="1440000" cy="720000"/>
           </a:xfrm>
           <a:prstGeom prst="rect">
@@ -4318,33 +4310,6 @@
                                   </p:childTnLst>
                                 </p:cTn>
                               </p:par>
-                              <p:par>
-                                <p:cTn id="7" presetID="1" presetClass="entr" presetSubtype="0" fill="hold" nodeType="withEffect">
-                                  <p:stCondLst>
-                                    <p:cond delay="0"/>
-                                  </p:stCondLst>
-                                  <p:childTnLst>
-                                    <p:set>
-                                      <p:cBhvr>
-                                        <p:cTn id="8" dur="1" fill="hold">
-                                          <p:stCondLst>
-                                            <p:cond delay="0"/>
-                                          </p:stCondLst>
-                                        </p:cTn>
-                                        <p:tgtEl>
-                                          <p:spTgt spid="8"/>
-                                        </p:tgtEl>
-                                        <p:attrNameLst>
-                                          <p:attrName>style.visibility</p:attrName>
-                                        </p:attrNameLst>
-                                      </p:cBhvr>
-                                      <p:to>
-                                        <p:strVal val="visible"/>
-                                      </p:to>
-                                    </p:set>
-                                  </p:childTnLst>
-                                </p:cTn>
-                              </p:par>
                             </p:childTnLst>
                           </p:cTn>
                         </p:par>
@@ -4352,26 +4317,26 @@
                     </p:cTn>
                   </p:par>
                   <p:par>
-                    <p:cTn id="9" fill="hold">
+                    <p:cTn id="7" fill="hold">
                       <p:stCondLst>
                         <p:cond delay="indefinite"/>
                       </p:stCondLst>
                       <p:childTnLst>
                         <p:par>
-                          <p:cTn id="10" fill="hold">
+                          <p:cTn id="8" fill="hold">
                             <p:stCondLst>
                               <p:cond delay="0"/>
                             </p:stCondLst>
                             <p:childTnLst>
                               <p:par>
-                                <p:cTn id="11" presetID="1" presetClass="entr" presetSubtype="0" fill="hold" nodeType="clickEffect">
+                                <p:cTn id="9" presetID="1" presetClass="entr" presetSubtype="0" fill="hold" nodeType="clickEffect">
                                   <p:stCondLst>
                                     <p:cond delay="0"/>
                                   </p:stCondLst>
                                   <p:childTnLst>
                                     <p:set>
                                       <p:cBhvr>
-                                        <p:cTn id="12" dur="1" fill="hold">
+                                        <p:cTn id="10" dur="1" fill="hold">
                                           <p:stCondLst>
                                             <p:cond delay="0"/>
                                           </p:stCondLst>
@@ -4395,14 +4360,14 @@
                                 </p:cTn>
                               </p:par>
                               <p:par>
-                                <p:cTn id="13" presetID="1" presetClass="entr" presetSubtype="0" fill="hold" nodeType="withEffect">
+                                <p:cTn id="11" presetID="1" presetClass="entr" presetSubtype="0" fill="hold" nodeType="withEffect">
                                   <p:stCondLst>
                                     <p:cond delay="0"/>
                                   </p:stCondLst>
                                   <p:childTnLst>
                                     <p:set>
                                       <p:cBhvr>
-                                        <p:cTn id="14" dur="1" fill="hold">
+                                        <p:cTn id="12" dur="1" fill="hold">
                                           <p:stCondLst>
                                             <p:cond delay="0"/>
                                           </p:stCondLst>
@@ -4428,19 +4393,50 @@
                     </p:cTn>
                   </p:par>
                   <p:par>
-                    <p:cTn id="15" fill="hold">
+                    <p:cTn id="13" fill="hold">
                       <p:stCondLst>
                         <p:cond delay="indefinite"/>
                       </p:stCondLst>
                       <p:childTnLst>
                         <p:par>
-                          <p:cTn id="16" fill="hold">
+                          <p:cTn id="14" fill="hold">
                             <p:stCondLst>
                               <p:cond delay="0"/>
                             </p:stCondLst>
                             <p:childTnLst>
                               <p:par>
-                                <p:cTn id="17" presetID="1" presetClass="entr" presetSubtype="0" fill="hold" nodeType="clickEffect">
+                                <p:cTn id="15" presetID="1" presetClass="entr" presetSubtype="0" fill="hold" nodeType="clickEffect">
+                                  <p:stCondLst>
+                                    <p:cond delay="0"/>
+                                  </p:stCondLst>
+                                  <p:childTnLst>
+                                    <p:set>
+                                      <p:cBhvr>
+                                        <p:cTn id="16" dur="1" fill="hold">
+                                          <p:stCondLst>
+                                            <p:cond delay="0"/>
+                                          </p:stCondLst>
+                                        </p:cTn>
+                                        <p:tgtEl>
+                                          <p:spTgt spid="5">
+                                            <p:txEl>
+                                              <p:pRg st="5" end="5"/>
+                                            </p:txEl>
+                                          </p:spTgt>
+                                        </p:tgtEl>
+                                        <p:attrNameLst>
+                                          <p:attrName>style.visibility</p:attrName>
+                                        </p:attrNameLst>
+                                      </p:cBhvr>
+                                      <p:to>
+                                        <p:strVal val="visible"/>
+                                      </p:to>
+                                    </p:set>
+                                  </p:childTnLst>
+                                </p:cTn>
+                              </p:par>
+                              <p:par>
+                                <p:cTn id="17" presetID="1" presetClass="entr" presetSubtype="0" fill="hold" nodeType="withEffect">
                                   <p:stCondLst>
                                     <p:cond delay="0"/>
                                   </p:stCondLst>
@@ -4453,11 +4449,7 @@
                                           </p:stCondLst>
                                         </p:cTn>
                                         <p:tgtEl>
-                                          <p:spTgt spid="5">
-                                            <p:txEl>
-                                              <p:pRg st="5" end="5"/>
-                                            </p:txEl>
-                                          </p:spTgt>
+                                          <p:spTgt spid="6"/>
                                         </p:tgtEl>
                                         <p:attrNameLst>
                                           <p:attrName>style.visibility</p:attrName>
@@ -4484,7 +4476,7 @@
                                           </p:stCondLst>
                                         </p:cTn>
                                         <p:tgtEl>
-                                          <p:spTgt spid="6"/>
+                                          <p:spTgt spid="9"/>
                                         </p:tgtEl>
                                         <p:attrNameLst>
                                           <p:attrName>style.visibility</p:attrName>

--- a/Documents/Schlusspräsentation/Schlussbericht_Präsentation_v1.pptx
+++ b/Documents/Schlusspräsentation/Schlussbericht_Präsentation_v1.pptx
@@ -4310,6 +4310,33 @@
                                   </p:childTnLst>
                                 </p:cTn>
                               </p:par>
+                              <p:par>
+                                <p:cTn id="7" presetID="1" presetClass="entr" presetSubtype="0" fill="hold" nodeType="withEffect">
+                                  <p:stCondLst>
+                                    <p:cond delay="0"/>
+                                  </p:stCondLst>
+                                  <p:childTnLst>
+                                    <p:set>
+                                      <p:cBhvr>
+                                        <p:cTn id="8" dur="1" fill="hold">
+                                          <p:stCondLst>
+                                            <p:cond delay="0"/>
+                                          </p:stCondLst>
+                                        </p:cTn>
+                                        <p:tgtEl>
+                                          <p:spTgt spid="6"/>
+                                        </p:tgtEl>
+                                        <p:attrNameLst>
+                                          <p:attrName>style.visibility</p:attrName>
+                                        </p:attrNameLst>
+                                      </p:cBhvr>
+                                      <p:to>
+                                        <p:strVal val="visible"/>
+                                      </p:to>
+                                    </p:set>
+                                  </p:childTnLst>
+                                </p:cTn>
+                              </p:par>
                             </p:childTnLst>
                           </p:cTn>
                         </p:par>
@@ -4317,26 +4344,26 @@
                     </p:cTn>
                   </p:par>
                   <p:par>
-                    <p:cTn id="7" fill="hold">
+                    <p:cTn id="9" fill="hold">
                       <p:stCondLst>
                         <p:cond delay="indefinite"/>
                       </p:stCondLst>
                       <p:childTnLst>
                         <p:par>
-                          <p:cTn id="8" fill="hold">
+                          <p:cTn id="10" fill="hold">
                             <p:stCondLst>
                               <p:cond delay="0"/>
                             </p:stCondLst>
                             <p:childTnLst>
                               <p:par>
-                                <p:cTn id="9" presetID="1" presetClass="entr" presetSubtype="0" fill="hold" nodeType="clickEffect">
+                                <p:cTn id="11" presetID="1" presetClass="entr" presetSubtype="0" fill="hold" nodeType="clickEffect">
                                   <p:stCondLst>
                                     <p:cond delay="0"/>
                                   </p:stCondLst>
                                   <p:childTnLst>
                                     <p:set>
                                       <p:cBhvr>
-                                        <p:cTn id="10" dur="1" fill="hold">
+                                        <p:cTn id="12" dur="1" fill="hold">
                                           <p:stCondLst>
                                             <p:cond delay="0"/>
                                           </p:stCondLst>
@@ -4360,14 +4387,14 @@
                                 </p:cTn>
                               </p:par>
                               <p:par>
-                                <p:cTn id="11" presetID="1" presetClass="entr" presetSubtype="0" fill="hold" nodeType="withEffect">
+                                <p:cTn id="13" presetID="1" presetClass="entr" presetSubtype="0" fill="hold" nodeType="withEffect">
                                   <p:stCondLst>
                                     <p:cond delay="0"/>
                                   </p:stCondLst>
                                   <p:childTnLst>
                                     <p:set>
                                       <p:cBhvr>
-                                        <p:cTn id="12" dur="1" fill="hold">
+                                        <p:cTn id="14" dur="1" fill="hold">
                                           <p:stCondLst>
                                             <p:cond delay="0"/>
                                           </p:stCondLst>
@@ -4393,50 +4420,19 @@
                     </p:cTn>
                   </p:par>
                   <p:par>
-                    <p:cTn id="13" fill="hold">
+                    <p:cTn id="15" fill="hold">
                       <p:stCondLst>
                         <p:cond delay="indefinite"/>
                       </p:stCondLst>
                       <p:childTnLst>
                         <p:par>
-                          <p:cTn id="14" fill="hold">
+                          <p:cTn id="16" fill="hold">
                             <p:stCondLst>
                               <p:cond delay="0"/>
                             </p:stCondLst>
                             <p:childTnLst>
                               <p:par>
-                                <p:cTn id="15" presetID="1" presetClass="entr" presetSubtype="0" fill="hold" nodeType="clickEffect">
-                                  <p:stCondLst>
-                                    <p:cond delay="0"/>
-                                  </p:stCondLst>
-                                  <p:childTnLst>
-                                    <p:set>
-                                      <p:cBhvr>
-                                        <p:cTn id="16" dur="1" fill="hold">
-                                          <p:stCondLst>
-                                            <p:cond delay="0"/>
-                                          </p:stCondLst>
-                                        </p:cTn>
-                                        <p:tgtEl>
-                                          <p:spTgt spid="5">
-                                            <p:txEl>
-                                              <p:pRg st="5" end="5"/>
-                                            </p:txEl>
-                                          </p:spTgt>
-                                        </p:tgtEl>
-                                        <p:attrNameLst>
-                                          <p:attrName>style.visibility</p:attrName>
-                                        </p:attrNameLst>
-                                      </p:cBhvr>
-                                      <p:to>
-                                        <p:strVal val="visible"/>
-                                      </p:to>
-                                    </p:set>
-                                  </p:childTnLst>
-                                </p:cTn>
-                              </p:par>
-                              <p:par>
-                                <p:cTn id="17" presetID="1" presetClass="entr" presetSubtype="0" fill="hold" nodeType="withEffect">
+                                <p:cTn id="17" presetID="1" presetClass="entr" presetSubtype="0" fill="hold" nodeType="clickEffect">
                                   <p:stCondLst>
                                     <p:cond delay="0"/>
                                   </p:stCondLst>
@@ -4449,7 +4445,11 @@
                                           </p:stCondLst>
                                         </p:cTn>
                                         <p:tgtEl>
-                                          <p:spTgt spid="6"/>
+                                          <p:spTgt spid="5">
+                                            <p:txEl>
+                                              <p:pRg st="5" end="5"/>
+                                            </p:txEl>
+                                          </p:spTgt>
                                         </p:tgtEl>
                                         <p:attrNameLst>
                                           <p:attrName>style.visibility</p:attrName>

--- a/Documents/Schlusspräsentation/Schlussbericht_Präsentation_v1.pptx
+++ b/Documents/Schlusspräsentation/Schlussbericht_Präsentation_v1.pptx
@@ -5,10 +5,10 @@
     <p:sldMasterId id="2147483696" r:id="rId1"/>
   </p:sldMasterIdLst>
   <p:notesMasterIdLst>
-    <p:notesMasterId r:id="rId14"/>
+    <p:notesMasterId r:id="rId15"/>
   </p:notesMasterIdLst>
   <p:handoutMasterIdLst>
-    <p:handoutMasterId r:id="rId15"/>
+    <p:handoutMasterId r:id="rId16"/>
   </p:handoutMasterIdLst>
   <p:sldIdLst>
     <p:sldId id="256" r:id="rId2"/>
@@ -20,9 +20,10 @@
     <p:sldId id="280" r:id="rId8"/>
     <p:sldId id="275" r:id="rId9"/>
     <p:sldId id="278" r:id="rId10"/>
-    <p:sldId id="267" r:id="rId11"/>
-    <p:sldId id="283" r:id="rId12"/>
-    <p:sldId id="272" r:id="rId13"/>
+    <p:sldId id="285" r:id="rId11"/>
+    <p:sldId id="267" r:id="rId12"/>
+    <p:sldId id="283" r:id="rId13"/>
+    <p:sldId id="272" r:id="rId14"/>
   </p:sldIdLst>
   <p:sldSz cx="9144000" cy="6858000" type="screen4x3"/>
   <p:notesSz cx="6858000" cy="9144000"/>
@@ -123,7 +124,7 @@
   </p:defaultTextStyle>
   <p:extLst>
     <p:ext uri="{EFAFB233-063F-42B5-8137-9DF3F51BA10A}">
-      <p15:sldGuideLst xmlns:p15="http://schemas.microsoft.com/office/powerpoint/2012/main">
+      <p15:sldGuideLst xmlns:p15="http://schemas.microsoft.com/office/powerpoint/2012/main" xmlns="">
         <p15:guide id="1" orient="horz" pos="2160">
           <p15:clr>
             <a:srgbClr val="A4A3A4"/>
@@ -137,7 +138,7 @@
       </p15:sldGuideLst>
     </p:ext>
     <p:ext uri="{2D200454-40CA-4A62-9FC3-DE9A4176ACB9}">
-      <p15:notesGuideLst xmlns:p15="http://schemas.microsoft.com/office/powerpoint/2012/main"/>
+      <p15:notesGuideLst xmlns:p15="http://schemas.microsoft.com/office/powerpoint/2012/main" xmlns=""/>
     </p:ext>
   </p:extLst>
 </p:presentation>
@@ -225,7 +226,7 @@
           <a:p>
             <a:fld id="{4B25F24D-90CF-44A7-A9EA-C384FF6564EC}" type="datetimeFigureOut">
               <a:rPr lang="de-CH" smtClean="0"/>
-              <a:t>03.12.2014</a:t>
+              <a:t>08.12.2014</a:t>
             </a:fld>
             <a:endParaRPr lang="de-CH"/>
           </a:p>
@@ -390,7 +391,7 @@
           <a:p>
             <a:fld id="{F2686799-5163-409F-B733-C9681AE00980}" type="datetimeFigureOut">
               <a:rPr lang="de-CH" smtClean="0"/>
-              <a:t>03.12.2014</a:t>
+              <a:t>08.12.2014</a:t>
             </a:fld>
             <a:endParaRPr lang="de-CH"/>
           </a:p>
@@ -830,7 +831,7 @@
           <a:p>
             <a:fld id="{1BA50D42-C9CD-4801-B293-61D1F53EC57E}" type="datetimeFigureOut">
               <a:rPr lang="de-DE" smtClean="0"/>
-              <a:t>03.12.2014</a:t>
+              <a:t>08.12.2014</a:t>
             </a:fld>
             <a:endParaRPr lang="de-DE"/>
           </a:p>
@@ -1029,7 +1030,7 @@
           <a:p>
             <a:fld id="{1BA50D42-C9CD-4801-B293-61D1F53EC57E}" type="datetimeFigureOut">
               <a:rPr lang="de-DE" smtClean="0"/>
-              <a:t>03.12.2014</a:t>
+              <a:t>08.12.2014</a:t>
             </a:fld>
             <a:endParaRPr lang="de-DE"/>
           </a:p>
@@ -1582,7 +1583,7 @@
           <a:p>
             <a:fld id="{1BA50D42-C9CD-4801-B293-61D1F53EC57E}" type="datetimeFigureOut">
               <a:rPr lang="de-DE" smtClean="0"/>
-              <a:t>03.12.2014</a:t>
+              <a:t>08.12.2014</a:t>
             </a:fld>
             <a:endParaRPr lang="de-DE"/>
           </a:p>
@@ -1852,7 +1853,7 @@
           <a:p>
             <a:fld id="{1BA50D42-C9CD-4801-B293-61D1F53EC57E}" type="datetimeFigureOut">
               <a:rPr lang="de-DE" smtClean="0"/>
-              <a:t>03.12.2014</a:t>
+              <a:t>08.12.2014</a:t>
             </a:fld>
             <a:endParaRPr lang="de-DE"/>
           </a:p>
@@ -2005,7 +2006,7 @@
           <a:p>
             <a:fld id="{1BA50D42-C9CD-4801-B293-61D1F53EC57E}" type="datetimeFigureOut">
               <a:rPr lang="de-DE" smtClean="0"/>
-              <a:t>03.12.2014</a:t>
+              <a:t>08.12.2014</a:t>
             </a:fld>
             <a:endParaRPr lang="de-DE"/>
           </a:p>
@@ -2387,7 +2388,7 @@
           <a:p>
             <a:fld id="{1BA50D42-C9CD-4801-B293-61D1F53EC57E}" type="datetimeFigureOut">
               <a:rPr lang="de-DE" smtClean="0"/>
-              <a:t>03.12.2014</a:t>
+              <a:t>08.12.2014</a:t>
             </a:fld>
             <a:endParaRPr lang="de-DE"/>
           </a:p>
@@ -2690,7 +2691,7 @@
           <a:p>
             <a:fld id="{1BA50D42-C9CD-4801-B293-61D1F53EC57E}" type="datetimeFigureOut">
               <a:rPr lang="de-DE" smtClean="0"/>
-              <a:t>03.12.2014</a:t>
+              <a:t>08.12.2014</a:t>
             </a:fld>
             <a:endParaRPr lang="de-DE"/>
           </a:p>
@@ -3456,6 +3457,235 @@
           <a:chExt cx="0" cy="0"/>
         </a:xfrm>
       </p:grpSpPr>
+      <p:sp>
+        <p:nvSpPr>
+          <p:cNvPr id="2" name="Titel 1"/>
+          <p:cNvSpPr>
+            <a:spLocks noGrp="1"/>
+          </p:cNvSpPr>
+          <p:nvPr>
+            <p:ph type="title"/>
+          </p:nvPr>
+        </p:nvSpPr>
+        <p:spPr/>
+        <p:txBody>
+          <a:bodyPr>
+            <a:normAutofit fontScale="90000"/>
+          </a:bodyPr>
+          <a:lstStyle/>
+          <a:p>
+            <a:r>
+              <a:rPr lang="de-CH" dirty="0"/>
+              <a:t>Geplante Erweiterungen</a:t>
+            </a:r>
+          </a:p>
+        </p:txBody>
+      </p:sp>
+      <p:sp>
+        <p:nvSpPr>
+          <p:cNvPr id="3" name="Inhaltsplatzhalter 2"/>
+          <p:cNvSpPr>
+            <a:spLocks noGrp="1"/>
+          </p:cNvSpPr>
+          <p:nvPr>
+            <p:ph idx="1"/>
+          </p:nvPr>
+        </p:nvSpPr>
+        <p:spPr/>
+        <p:txBody>
+          <a:bodyPr/>
+          <a:lstStyle/>
+          <a:p>
+            <a:endParaRPr lang="de-CH" dirty="0" smtClean="0"/>
+          </a:p>
+          <a:p>
+            <a:r>
+              <a:rPr lang="de-CH" dirty="0" smtClean="0"/>
+              <a:t>In-App </a:t>
+            </a:r>
+            <a:r>
+              <a:rPr lang="de-CH" dirty="0"/>
+              <a:t>Käufe</a:t>
+            </a:r>
+          </a:p>
+          <a:p>
+            <a:endParaRPr lang="de-CH" dirty="0" smtClean="0"/>
+          </a:p>
+          <a:p>
+            <a:r>
+              <a:rPr lang="de-CH" dirty="0" smtClean="0"/>
+              <a:t>Premium</a:t>
+            </a:r>
+          </a:p>
+          <a:p>
+            <a:endParaRPr lang="de-CH" dirty="0"/>
+          </a:p>
+          <a:p>
+            <a:r>
+              <a:rPr lang="de-CH" dirty="0" err="1" smtClean="0"/>
+              <a:t>Social</a:t>
+            </a:r>
+            <a:r>
+              <a:rPr lang="de-CH" dirty="0" smtClean="0"/>
+              <a:t> Media</a:t>
+            </a:r>
+            <a:endParaRPr lang="de-CH" dirty="0"/>
+          </a:p>
+        </p:txBody>
+      </p:sp>
+      <p:pic>
+        <p:nvPicPr>
+          <p:cNvPr id="2050" name="Picture 2" descr="C:\Users\ChrisMagic\Dropbox\Workspace\squarefeed\Documents\Schlusspräsentation\containerbildli für remo\social.png"/>
+          <p:cNvPicPr>
+            <a:picLocks noChangeAspect="1" noChangeArrowheads="1"/>
+          </p:cNvPicPr>
+          <p:nvPr/>
+        </p:nvPicPr>
+        <p:blipFill>
+          <a:blip r:embed="rId2" cstate="print">
+            <a:extLst>
+              <a:ext uri="{28A0092B-C50C-407E-A947-70E740481C1C}">
+                <a14:useLocalDpi xmlns:a14="http://schemas.microsoft.com/office/drawing/2010/main" val="0"/>
+              </a:ext>
+            </a:extLst>
+          </a:blip>
+          <a:srcRect/>
+          <a:stretch>
+            <a:fillRect/>
+          </a:stretch>
+        </p:blipFill>
+        <p:spPr bwMode="auto">
+          <a:xfrm>
+            <a:off x="6132852" y="4073169"/>
+            <a:ext cx="1458784" cy="729574"/>
+          </a:xfrm>
+          <a:prstGeom prst="rect">
+            <a:avLst/>
+          </a:prstGeom>
+          <a:noFill/>
+          <a:extLst>
+            <a:ext uri="{909E8E84-426E-40DD-AFC4-6F175D3DCCD1}">
+              <a14:hiddenFill xmlns:a14="http://schemas.microsoft.com/office/drawing/2010/main">
+                <a:solidFill>
+                  <a:srgbClr val="FFFFFF"/>
+                </a:solidFill>
+              </a14:hiddenFill>
+            </a:ext>
+          </a:extLst>
+        </p:spPr>
+      </p:pic>
+      <p:pic>
+        <p:nvPicPr>
+          <p:cNvPr id="6" name="Picture 4" descr="C:\Users\ChrisMagic\Dropbox\Workspace\squarefeed\Documents\Schlusspräsentation\containerbildli für remo\dolla_dolla_bills_yall.png"/>
+          <p:cNvPicPr>
+            <a:picLocks noChangeAspect="1" noChangeArrowheads="1"/>
+          </p:cNvPicPr>
+          <p:nvPr/>
+        </p:nvPicPr>
+        <p:blipFill>
+          <a:blip r:embed="rId3" cstate="print">
+            <a:extLst>
+              <a:ext uri="{28A0092B-C50C-407E-A947-70E740481C1C}">
+                <a14:useLocalDpi xmlns:a14="http://schemas.microsoft.com/office/drawing/2010/main" val="0"/>
+              </a:ext>
+            </a:extLst>
+          </a:blip>
+          <a:srcRect/>
+          <a:stretch>
+            <a:fillRect/>
+          </a:stretch>
+        </p:blipFill>
+        <p:spPr bwMode="auto">
+          <a:xfrm>
+            <a:off x="6132852" y="1835331"/>
+            <a:ext cx="1458784" cy="729574"/>
+          </a:xfrm>
+          <a:prstGeom prst="rect">
+            <a:avLst/>
+          </a:prstGeom>
+          <a:noFill/>
+          <a:extLst>
+            <a:ext uri="{909E8E84-426E-40DD-AFC4-6F175D3DCCD1}">
+              <a14:hiddenFill xmlns:a14="http://schemas.microsoft.com/office/drawing/2010/main">
+                <a:solidFill>
+                  <a:srgbClr val="FFFFFF"/>
+                </a:solidFill>
+              </a14:hiddenFill>
+            </a:ext>
+          </a:extLst>
+        </p:spPr>
+      </p:pic>
+      <p:pic>
+        <p:nvPicPr>
+          <p:cNvPr id="7" name="Picture 5" descr="C:\Users\ChrisMagic\Dropbox\Workspace\squarefeed\Documents\Schlusspräsentation\containerbildli für remo\premium.png"/>
+          <p:cNvPicPr>
+            <a:picLocks noChangeAspect="1" noChangeArrowheads="1"/>
+          </p:cNvPicPr>
+          <p:nvPr/>
+        </p:nvPicPr>
+        <p:blipFill>
+          <a:blip r:embed="rId4" cstate="print">
+            <a:extLst>
+              <a:ext uri="{28A0092B-C50C-407E-A947-70E740481C1C}">
+                <a14:useLocalDpi xmlns:a14="http://schemas.microsoft.com/office/drawing/2010/main" val="0"/>
+              </a:ext>
+            </a:extLst>
+          </a:blip>
+          <a:srcRect/>
+          <a:stretch>
+            <a:fillRect/>
+          </a:stretch>
+        </p:blipFill>
+        <p:spPr bwMode="auto">
+          <a:xfrm>
+            <a:off x="6132852" y="2993049"/>
+            <a:ext cx="1458784" cy="729574"/>
+          </a:xfrm>
+          <a:prstGeom prst="rect">
+            <a:avLst/>
+          </a:prstGeom>
+          <a:noFill/>
+          <a:extLst>
+            <a:ext uri="{909E8E84-426E-40DD-AFC4-6F175D3DCCD1}">
+              <a14:hiddenFill xmlns:a14="http://schemas.microsoft.com/office/drawing/2010/main">
+                <a:solidFill>
+                  <a:srgbClr val="FFFFFF"/>
+                </a:solidFill>
+              </a14:hiddenFill>
+            </a:ext>
+          </a:extLst>
+        </p:spPr>
+      </p:pic>
+    </p:spTree>
+    <p:extLst>
+      <p:ext uri="{BB962C8B-B14F-4D97-AF65-F5344CB8AC3E}">
+        <p14:creationId xmlns:p14="http://schemas.microsoft.com/office/powerpoint/2010/main" val="184911194"/>
+      </p:ext>
+    </p:extLst>
+  </p:cSld>
+  <p:clrMapOvr>
+    <a:masterClrMapping/>
+  </p:clrMapOvr>
+</p:sld>
+</file>
+
+<file path=ppt/slides/slide11.xml><?xml version="1.0" encoding="utf-8"?>
+<p:sld xmlns:a="http://schemas.openxmlformats.org/drawingml/2006/main" xmlns:r="http://schemas.openxmlformats.org/officeDocument/2006/relationships" xmlns:p="http://schemas.openxmlformats.org/presentationml/2006/main">
+  <p:cSld>
+    <p:spTree>
+      <p:nvGrpSpPr>
+        <p:cNvPr id="1" name=""/>
+        <p:cNvGrpSpPr/>
+        <p:nvPr/>
+      </p:nvGrpSpPr>
+      <p:grpSpPr>
+        <a:xfrm>
+          <a:off x="0" y="0"/>
+          <a:ext cx="0" cy="0"/>
+          <a:chOff x="0" y="0"/>
+          <a:chExt cx="0" cy="0"/>
+        </a:xfrm>
+      </p:grpSpPr>
       <p:pic>
         <p:nvPicPr>
           <p:cNvPr id="2050" name="Picture 2" descr="http://cobagames.files.wordpress.com/2013/11/google-play-soon.png?w=750"/>
@@ -3536,7 +3766,7 @@
 </p:sld>
 </file>
 
-<file path=ppt/slides/slide11.xml><?xml version="1.0" encoding="utf-8"?>
+<file path=ppt/slides/slide12.xml><?xml version="1.0" encoding="utf-8"?>
 <p:sld xmlns:a="http://schemas.openxmlformats.org/drawingml/2006/main" xmlns:r="http://schemas.openxmlformats.org/officeDocument/2006/relationships" xmlns:p="http://schemas.openxmlformats.org/presentationml/2006/main">
   <p:cSld>
     <p:spTree>
@@ -3598,7 +3828,7 @@
 </p:sld>
 </file>
 
-<file path=ppt/slides/slide12.xml><?xml version="1.0" encoding="utf-8"?>
+<file path=ppt/slides/slide13.xml><?xml version="1.0" encoding="utf-8"?>
 <p:sld xmlns:a="http://schemas.openxmlformats.org/drawingml/2006/main" xmlns:r="http://schemas.openxmlformats.org/officeDocument/2006/relationships" xmlns:p="http://schemas.openxmlformats.org/presentationml/2006/main">
   <p:cSld>
     <p:spTree>
@@ -6164,18 +6394,165 @@
           <a:bodyPr/>
           <a:lstStyle/>
           <a:p>
+            <a:endParaRPr lang="de-CH" dirty="0" smtClean="0"/>
+          </a:p>
+          <a:p>
+            <a:r>
+              <a:rPr lang="de-CH" dirty="0" err="1" smtClean="0"/>
+              <a:t>Achievements</a:t>
+            </a:r>
+            <a:endParaRPr lang="de-CH" dirty="0" smtClean="0"/>
+          </a:p>
+          <a:p>
+            <a:pPr marL="45720" indent="0">
+              <a:buNone/>
+            </a:pPr>
+            <a:endParaRPr lang="de-CH" dirty="0" smtClean="0"/>
+          </a:p>
+          <a:p>
             <a:r>
               <a:rPr lang="de-CH" dirty="0" smtClean="0"/>
-              <a:t>Mit Container-Grafiken von </a:t>
-            </a:r>
-            <a:r>
-              <a:rPr lang="de-CH" dirty="0" err="1" smtClean="0"/>
-              <a:t>Yacine</a:t>
+              <a:t>Level-Pakete</a:t>
+            </a:r>
+          </a:p>
+          <a:p>
+            <a:pPr marL="45720" indent="0">
+              <a:buNone/>
+            </a:pPr>
+            <a:endParaRPr lang="de-CH" dirty="0"/>
+          </a:p>
+          <a:p>
+            <a:r>
+              <a:rPr lang="de-CH" dirty="0" smtClean="0"/>
+              <a:t>Neue Schiffe </a:t>
             </a:r>
             <a:endParaRPr lang="de-CH" dirty="0" smtClean="0"/>
           </a:p>
         </p:txBody>
       </p:sp>
+      <p:pic>
+        <p:nvPicPr>
+          <p:cNvPr id="1026" name="Picture 2" descr="C:\Users\ChrisMagic\Dropbox\Workspace\squarefeed\Documents\Schlusspräsentation\containerbildli für remo\levels.png"/>
+          <p:cNvPicPr>
+            <a:picLocks noChangeAspect="1" noChangeArrowheads="1"/>
+          </p:cNvPicPr>
+          <p:nvPr/>
+        </p:nvPicPr>
+        <p:blipFill>
+          <a:blip r:embed="rId2" cstate="print">
+            <a:extLst>
+              <a:ext uri="{28A0092B-C50C-407E-A947-70E740481C1C}">
+                <a14:useLocalDpi xmlns:a14="http://schemas.microsoft.com/office/drawing/2010/main" val="0"/>
+              </a:ext>
+            </a:extLst>
+          </a:blip>
+          <a:srcRect/>
+          <a:stretch>
+            <a:fillRect/>
+          </a:stretch>
+        </p:blipFill>
+        <p:spPr bwMode="auto">
+          <a:xfrm>
+            <a:off x="5919682" y="2864353"/>
+            <a:ext cx="1440000" cy="720181"/>
+          </a:xfrm>
+          <a:prstGeom prst="rect">
+            <a:avLst/>
+          </a:prstGeom>
+          <a:noFill/>
+          <a:extLst>
+            <a:ext uri="{909E8E84-426E-40DD-AFC4-6F175D3DCCD1}">
+              <a14:hiddenFill xmlns:a14="http://schemas.microsoft.com/office/drawing/2010/main">
+                <a:solidFill>
+                  <a:srgbClr val="FFFFFF"/>
+                </a:solidFill>
+              </a14:hiddenFill>
+            </a:ext>
+          </a:extLst>
+        </p:spPr>
+      </p:pic>
+      <p:pic>
+        <p:nvPicPr>
+          <p:cNvPr id="1027" name="Picture 3" descr="C:\Users\ChrisMagic\Dropbox\Workspace\squarefeed\Documents\Schlusspräsentation\containerbildli für remo\achievements.png"/>
+          <p:cNvPicPr>
+            <a:picLocks noChangeAspect="1" noChangeArrowheads="1"/>
+          </p:cNvPicPr>
+          <p:nvPr/>
+        </p:nvPicPr>
+        <p:blipFill>
+          <a:blip r:embed="rId3" cstate="print">
+            <a:extLst>
+              <a:ext uri="{28A0092B-C50C-407E-A947-70E740481C1C}">
+                <a14:useLocalDpi xmlns:a14="http://schemas.microsoft.com/office/drawing/2010/main" val="0"/>
+              </a:ext>
+            </a:extLst>
+          </a:blip>
+          <a:srcRect/>
+          <a:stretch>
+            <a:fillRect/>
+          </a:stretch>
+        </p:blipFill>
+        <p:spPr bwMode="auto">
+          <a:xfrm>
+            <a:off x="5919682" y="1851067"/>
+            <a:ext cx="1459509" cy="729937"/>
+          </a:xfrm>
+          <a:prstGeom prst="rect">
+            <a:avLst/>
+          </a:prstGeom>
+          <a:noFill/>
+          <a:extLst>
+            <a:ext uri="{909E8E84-426E-40DD-AFC4-6F175D3DCCD1}">
+              <a14:hiddenFill xmlns:a14="http://schemas.microsoft.com/office/drawing/2010/main">
+                <a:solidFill>
+                  <a:srgbClr val="FFFFFF"/>
+                </a:solidFill>
+              </a14:hiddenFill>
+            </a:ext>
+          </a:extLst>
+        </p:spPr>
+      </p:pic>
+      <p:pic>
+        <p:nvPicPr>
+          <p:cNvPr id="1031" name="Picture 7" descr="C:\Users\ChrisMagic\Dropbox\Workspace\squarefeed\Documents\Schlusspräsentation\containerbildli für remo\ships.png"/>
+          <p:cNvPicPr>
+            <a:picLocks noChangeAspect="1" noChangeArrowheads="1"/>
+          </p:cNvPicPr>
+          <p:nvPr/>
+        </p:nvPicPr>
+        <p:blipFill>
+          <a:blip r:embed="rId4" cstate="print">
+            <a:extLst>
+              <a:ext uri="{28A0092B-C50C-407E-A947-70E740481C1C}">
+                <a14:useLocalDpi xmlns:a14="http://schemas.microsoft.com/office/drawing/2010/main" val="0"/>
+              </a:ext>
+            </a:extLst>
+          </a:blip>
+          <a:srcRect/>
+          <a:stretch>
+            <a:fillRect/>
+          </a:stretch>
+        </p:blipFill>
+        <p:spPr bwMode="auto">
+          <a:xfrm>
+            <a:off x="5919681" y="3944473"/>
+            <a:ext cx="1459509" cy="729937"/>
+          </a:xfrm>
+          <a:prstGeom prst="rect">
+            <a:avLst/>
+          </a:prstGeom>
+          <a:noFill/>
+          <a:extLst>
+            <a:ext uri="{909E8E84-426E-40DD-AFC4-6F175D3DCCD1}">
+              <a14:hiddenFill xmlns:a14="http://schemas.microsoft.com/office/drawing/2010/main">
+                <a:solidFill>
+                  <a:srgbClr val="FFFFFF"/>
+                </a:solidFill>
+              </a14:hiddenFill>
+            </a:ext>
+          </a:extLst>
+        </p:spPr>
+      </p:pic>
     </p:spTree>
     <p:extLst>
       <p:ext uri="{BB962C8B-B14F-4D97-AF65-F5344CB8AC3E}">
@@ -6222,7 +6599,105 @@
                                         <p:tgtEl>
                                           <p:spTgt spid="5">
                                             <p:txEl>
-                                              <p:pRg st="0" end="0"/>
+                                              <p:pRg st="1" end="1"/>
+                                            </p:txEl>
+                                          </p:spTgt>
+                                        </p:tgtEl>
+                                        <p:attrNameLst>
+                                          <p:attrName>style.visibility</p:attrName>
+                                        </p:attrNameLst>
+                                      </p:cBhvr>
+                                      <p:to>
+                                        <p:strVal val="visible"/>
+                                      </p:to>
+                                    </p:set>
+                                  </p:childTnLst>
+                                </p:cTn>
+                              </p:par>
+                            </p:childTnLst>
+                          </p:cTn>
+                        </p:par>
+                      </p:childTnLst>
+                    </p:cTn>
+                  </p:par>
+                  <p:par>
+                    <p:cTn id="7" fill="hold">
+                      <p:stCondLst>
+                        <p:cond delay="indefinite"/>
+                      </p:stCondLst>
+                      <p:childTnLst>
+                        <p:par>
+                          <p:cTn id="8" fill="hold">
+                            <p:stCondLst>
+                              <p:cond delay="0"/>
+                            </p:stCondLst>
+                            <p:childTnLst>
+                              <p:par>
+                                <p:cTn id="9" presetID="1" presetClass="entr" presetSubtype="0" fill="hold" nodeType="clickEffect">
+                                  <p:stCondLst>
+                                    <p:cond delay="0"/>
+                                  </p:stCondLst>
+                                  <p:childTnLst>
+                                    <p:set>
+                                      <p:cBhvr>
+                                        <p:cTn id="10" dur="1" fill="hold">
+                                          <p:stCondLst>
+                                            <p:cond delay="0"/>
+                                          </p:stCondLst>
+                                        </p:cTn>
+                                        <p:tgtEl>
+                                          <p:spTgt spid="5">
+                                            <p:txEl>
+                                              <p:pRg st="3" end="3"/>
+                                            </p:txEl>
+                                          </p:spTgt>
+                                        </p:tgtEl>
+                                        <p:attrNameLst>
+                                          <p:attrName>style.visibility</p:attrName>
+                                        </p:attrNameLst>
+                                      </p:cBhvr>
+                                      <p:to>
+                                        <p:strVal val="visible"/>
+                                      </p:to>
+                                    </p:set>
+                                  </p:childTnLst>
+                                </p:cTn>
+                              </p:par>
+                            </p:childTnLst>
+                          </p:cTn>
+                        </p:par>
+                      </p:childTnLst>
+                    </p:cTn>
+                  </p:par>
+                  <p:par>
+                    <p:cTn id="11" fill="hold">
+                      <p:stCondLst>
+                        <p:cond delay="indefinite"/>
+                      </p:stCondLst>
+                      <p:childTnLst>
+                        <p:par>
+                          <p:cTn id="12" fill="hold">
+                            <p:stCondLst>
+                              <p:cond delay="0"/>
+                            </p:stCondLst>
+                            <p:childTnLst>
+                              <p:par>
+                                <p:cTn id="13" presetID="1" presetClass="entr" presetSubtype="0" fill="hold" nodeType="clickEffect">
+                                  <p:stCondLst>
+                                    <p:cond delay="0"/>
+                                  </p:stCondLst>
+                                  <p:childTnLst>
+                                    <p:set>
+                                      <p:cBhvr>
+                                        <p:cTn id="14" dur="1" fill="hold">
+                                          <p:stCondLst>
+                                            <p:cond delay="0"/>
+                                          </p:stCondLst>
+                                        </p:cTn>
+                                        <p:tgtEl>
+                                          <p:spTgt spid="5">
+                                            <p:txEl>
+                                              <p:pRg st="5" end="5"/>
                                             </p:txEl>
                                           </p:spTgt>
                                         </p:tgtEl>
@@ -7098,7 +7573,7 @@
   <a:extraClrSchemeLst/>
   <a:extLst>
     <a:ext uri="{05A4C25C-085E-4340-85A3-A5531E510DB2}">
-      <thm15:themeFamily xmlns:thm15="http://schemas.microsoft.com/office/thememl/2012/main" name="Office Theme" id="{62F939B6-93AF-4DB8-9C6B-D6C7DFDC589F}" vid="{4A3C46E8-61CC-4603-A589-7422A47A8E4A}"/>
+      <thm15:themeFamily xmlns:thm15="http://schemas.microsoft.com/office/thememl/2012/main" xmlns="" name="Office Theme" id="{62F939B6-93AF-4DB8-9C6B-D6C7DFDC589F}" vid="{4A3C46E8-61CC-4603-A589-7422A47A8E4A}"/>
     </a:ext>
   </a:extLst>
 </a:theme>

--- a/Documents/Schlusspräsentation/Schlussbericht_Präsentation_v1.pptx
+++ b/Documents/Schlusspräsentation/Schlussbericht_Präsentation_v1.pptx
@@ -124,7 +124,7 @@
   </p:defaultTextStyle>
   <p:extLst>
     <p:ext uri="{EFAFB233-063F-42B5-8137-9DF3F51BA10A}">
-      <p15:sldGuideLst xmlns:p15="http://schemas.microsoft.com/office/powerpoint/2012/main" xmlns="">
+      <p15:sldGuideLst xmlns="" xmlns:p15="http://schemas.microsoft.com/office/powerpoint/2012/main">
         <p15:guide id="1" orient="horz" pos="2160">
           <p15:clr>
             <a:srgbClr val="A4A3A4"/>
@@ -138,7 +138,7 @@
       </p15:sldGuideLst>
     </p:ext>
     <p:ext uri="{2D200454-40CA-4A62-9FC3-DE9A4176ACB9}">
-      <p15:notesGuideLst xmlns:p15="http://schemas.microsoft.com/office/powerpoint/2012/main" xmlns=""/>
+      <p15:notesGuideLst xmlns="" xmlns:p15="http://schemas.microsoft.com/office/powerpoint/2012/main"/>
     </p:ext>
   </p:extLst>
 </p:presentation>
@@ -6428,6 +6428,16 @@
             </a:r>
             <a:endParaRPr lang="de-CH" dirty="0" smtClean="0"/>
           </a:p>
+          <a:p>
+            <a:endParaRPr lang="de-CH" dirty="0"/>
+          </a:p>
+          <a:p>
+            <a:r>
+              <a:rPr lang="de-CH" smtClean="0"/>
+              <a:t>Neue Soundeffekte</a:t>
+            </a:r>
+            <a:endParaRPr lang="de-CH" dirty="0" smtClean="0"/>
+          </a:p>
         </p:txBody>
       </p:sp>
       <p:pic>
@@ -6536,6 +6546,47 @@
         <p:spPr bwMode="auto">
           <a:xfrm>
             <a:off x="5919681" y="3944473"/>
+            <a:ext cx="1459509" cy="729937"/>
+          </a:xfrm>
+          <a:prstGeom prst="rect">
+            <a:avLst/>
+          </a:prstGeom>
+          <a:noFill/>
+          <a:extLst>
+            <a:ext uri="{909E8E84-426E-40DD-AFC4-6F175D3DCCD1}">
+              <a14:hiddenFill xmlns:a14="http://schemas.microsoft.com/office/drawing/2010/main">
+                <a:solidFill>
+                  <a:srgbClr val="FFFFFF"/>
+                </a:solidFill>
+              </a14:hiddenFill>
+            </a:ext>
+          </a:extLst>
+        </p:spPr>
+      </p:pic>
+      <p:pic>
+        <p:nvPicPr>
+          <p:cNvPr id="2" name="Picture 2" descr="C:\Users\ChrisMagic\Dropbox\Workspace\squarefeed\Documents\Schlusspräsentation\containerbildli für remo\sounds.png"/>
+          <p:cNvPicPr>
+            <a:picLocks noChangeAspect="1" noChangeArrowheads="1"/>
+          </p:cNvPicPr>
+          <p:nvPr/>
+        </p:nvPicPr>
+        <p:blipFill>
+          <a:blip r:embed="rId5" cstate="print">
+            <a:extLst>
+              <a:ext uri="{28A0092B-C50C-407E-A947-70E740481C1C}">
+                <a14:useLocalDpi xmlns:a14="http://schemas.microsoft.com/office/drawing/2010/main" val="0"/>
+              </a:ext>
+            </a:extLst>
+          </a:blip>
+          <a:srcRect/>
+          <a:stretch>
+            <a:fillRect/>
+          </a:stretch>
+        </p:blipFill>
+        <p:spPr bwMode="auto">
+          <a:xfrm>
+            <a:off x="5919682" y="5013176"/>
             <a:ext cx="1459509" cy="729937"/>
           </a:xfrm>
           <a:prstGeom prst="rect">
@@ -6698,6 +6749,55 @@
                                           <p:spTgt spid="5">
                                             <p:txEl>
                                               <p:pRg st="5" end="5"/>
+                                            </p:txEl>
+                                          </p:spTgt>
+                                        </p:tgtEl>
+                                        <p:attrNameLst>
+                                          <p:attrName>style.visibility</p:attrName>
+                                        </p:attrNameLst>
+                                      </p:cBhvr>
+                                      <p:to>
+                                        <p:strVal val="visible"/>
+                                      </p:to>
+                                    </p:set>
+                                  </p:childTnLst>
+                                </p:cTn>
+                              </p:par>
+                            </p:childTnLst>
+                          </p:cTn>
+                        </p:par>
+                      </p:childTnLst>
+                    </p:cTn>
+                  </p:par>
+                  <p:par>
+                    <p:cTn id="15" fill="hold">
+                      <p:stCondLst>
+                        <p:cond delay="indefinite"/>
+                      </p:stCondLst>
+                      <p:childTnLst>
+                        <p:par>
+                          <p:cTn id="16" fill="hold">
+                            <p:stCondLst>
+                              <p:cond delay="0"/>
+                            </p:stCondLst>
+                            <p:childTnLst>
+                              <p:par>
+                                <p:cTn id="17" presetID="1" presetClass="entr" presetSubtype="0" fill="hold" nodeType="clickEffect">
+                                  <p:stCondLst>
+                                    <p:cond delay="0"/>
+                                  </p:stCondLst>
+                                  <p:childTnLst>
+                                    <p:set>
+                                      <p:cBhvr>
+                                        <p:cTn id="18" dur="1" fill="hold">
+                                          <p:stCondLst>
+                                            <p:cond delay="0"/>
+                                          </p:stCondLst>
+                                        </p:cTn>
+                                        <p:tgtEl>
+                                          <p:spTgt spid="5">
+                                            <p:txEl>
+                                              <p:pRg st="7" end="7"/>
                                             </p:txEl>
                                           </p:spTgt>
                                         </p:tgtEl>
@@ -7573,7 +7673,7 @@
   <a:extraClrSchemeLst/>
   <a:extLst>
     <a:ext uri="{05A4C25C-085E-4340-85A3-A5531E510DB2}">
-      <thm15:themeFamily xmlns:thm15="http://schemas.microsoft.com/office/thememl/2012/main" xmlns="" name="Office Theme" id="{62F939B6-93AF-4DB8-9C6B-D6C7DFDC589F}" vid="{4A3C46E8-61CC-4603-A589-7422A47A8E4A}"/>
+      <thm15:themeFamily xmlns="" xmlns:thm15="http://schemas.microsoft.com/office/thememl/2012/main" name="Office Theme" id="{62F939B6-93AF-4DB8-9C6B-D6C7DFDC589F}" vid="{4A3C46E8-61CC-4603-A589-7422A47A8E4A}"/>
     </a:ext>
   </a:extLst>
 </a:theme>

--- a/Documents/Schlusspräsentation/Schlussbericht_Präsentation_v1.pptx
+++ b/Documents/Schlusspräsentation/Schlussbericht_Präsentation_v1.pptx
@@ -124,7 +124,7 @@
   </p:defaultTextStyle>
   <p:extLst>
     <p:ext uri="{EFAFB233-063F-42B5-8137-9DF3F51BA10A}">
-      <p15:sldGuideLst xmlns="" xmlns:p15="http://schemas.microsoft.com/office/powerpoint/2012/main">
+      <p15:sldGuideLst xmlns:p15="http://schemas.microsoft.com/office/powerpoint/2012/main">
         <p15:guide id="1" orient="horz" pos="2160">
           <p15:clr>
             <a:srgbClr val="A4A3A4"/>
@@ -138,7 +138,7 @@
       </p15:sldGuideLst>
     </p:ext>
     <p:ext uri="{2D200454-40CA-4A62-9FC3-DE9A4176ACB9}">
-      <p15:notesGuideLst xmlns="" xmlns:p15="http://schemas.microsoft.com/office/powerpoint/2012/main"/>
+      <p15:notesGuideLst xmlns:p15="http://schemas.microsoft.com/office/powerpoint/2012/main"/>
     </p:ext>
   </p:extLst>
 </p:presentation>
@@ -3556,7 +3556,7 @@
         </p:blipFill>
         <p:spPr bwMode="auto">
           <a:xfrm>
-            <a:off x="6132852" y="4073169"/>
+            <a:off x="5953424" y="4005064"/>
             <a:ext cx="1458784" cy="729574"/>
           </a:xfrm>
           <a:prstGeom prst="rect">
@@ -3597,7 +3597,7 @@
         </p:blipFill>
         <p:spPr bwMode="auto">
           <a:xfrm>
-            <a:off x="6132852" y="1835331"/>
+            <a:off x="5918400" y="1835331"/>
             <a:ext cx="1458784" cy="729574"/>
           </a:xfrm>
           <a:prstGeom prst="rect">
@@ -3638,7 +3638,7 @@
         </p:blipFill>
         <p:spPr bwMode="auto">
           <a:xfrm>
-            <a:off x="6132852" y="2993049"/>
+            <a:off x="5918400" y="2912364"/>
             <a:ext cx="1458784" cy="729574"/>
           </a:xfrm>
           <a:prstGeom prst="rect">
@@ -3666,6 +3666,267 @@
   <p:clrMapOvr>
     <a:masterClrMapping/>
   </p:clrMapOvr>
+  <p:timing>
+    <p:tnLst>
+      <p:par>
+        <p:cTn id="1" dur="indefinite" restart="never" nodeType="tmRoot">
+          <p:childTnLst>
+            <p:seq concurrent="1" nextAc="seek">
+              <p:cTn id="2" dur="indefinite" nodeType="mainSeq">
+                <p:childTnLst>
+                  <p:par>
+                    <p:cTn id="3" fill="hold">
+                      <p:stCondLst>
+                        <p:cond delay="indefinite"/>
+                      </p:stCondLst>
+                      <p:childTnLst>
+                        <p:par>
+                          <p:cTn id="4" fill="hold">
+                            <p:stCondLst>
+                              <p:cond delay="0"/>
+                            </p:stCondLst>
+                            <p:childTnLst>
+                              <p:par>
+                                <p:cTn id="5" presetID="1" presetClass="entr" presetSubtype="0" fill="hold" grpId="0" nodeType="clickEffect">
+                                  <p:stCondLst>
+                                    <p:cond delay="0"/>
+                                  </p:stCondLst>
+                                  <p:childTnLst>
+                                    <p:set>
+                                      <p:cBhvr>
+                                        <p:cTn id="6" dur="1" fill="hold">
+                                          <p:stCondLst>
+                                            <p:cond delay="0"/>
+                                          </p:stCondLst>
+                                        </p:cTn>
+                                        <p:tgtEl>
+                                          <p:spTgt spid="3">
+                                            <p:txEl>
+                                              <p:pRg st="1" end="1"/>
+                                            </p:txEl>
+                                          </p:spTgt>
+                                        </p:tgtEl>
+                                        <p:attrNameLst>
+                                          <p:attrName>style.visibility</p:attrName>
+                                        </p:attrNameLst>
+                                      </p:cBhvr>
+                                      <p:to>
+                                        <p:strVal val="visible"/>
+                                      </p:to>
+                                    </p:set>
+                                  </p:childTnLst>
+                                </p:cTn>
+                              </p:par>
+                              <p:par>
+                                <p:cTn id="7" presetID="1" presetClass="entr" presetSubtype="0" fill="hold" nodeType="withEffect">
+                                  <p:stCondLst>
+                                    <p:cond delay="0"/>
+                                  </p:stCondLst>
+                                  <p:childTnLst>
+                                    <p:set>
+                                      <p:cBhvr>
+                                        <p:cTn id="8" dur="1" fill="hold">
+                                          <p:stCondLst>
+                                            <p:cond delay="0"/>
+                                          </p:stCondLst>
+                                        </p:cTn>
+                                        <p:tgtEl>
+                                          <p:spTgt spid="6"/>
+                                        </p:tgtEl>
+                                        <p:attrNameLst>
+                                          <p:attrName>style.visibility</p:attrName>
+                                        </p:attrNameLst>
+                                      </p:cBhvr>
+                                      <p:to>
+                                        <p:strVal val="visible"/>
+                                      </p:to>
+                                    </p:set>
+                                  </p:childTnLst>
+                                </p:cTn>
+                              </p:par>
+                            </p:childTnLst>
+                          </p:cTn>
+                        </p:par>
+                      </p:childTnLst>
+                    </p:cTn>
+                  </p:par>
+                  <p:par>
+                    <p:cTn id="9" fill="hold">
+                      <p:stCondLst>
+                        <p:cond delay="indefinite"/>
+                      </p:stCondLst>
+                      <p:childTnLst>
+                        <p:par>
+                          <p:cTn id="10" fill="hold">
+                            <p:stCondLst>
+                              <p:cond delay="0"/>
+                            </p:stCondLst>
+                            <p:childTnLst>
+                              <p:par>
+                                <p:cTn id="11" presetID="1" presetClass="entr" presetSubtype="0" fill="hold" grpId="0" nodeType="clickEffect">
+                                  <p:stCondLst>
+                                    <p:cond delay="0"/>
+                                  </p:stCondLst>
+                                  <p:childTnLst>
+                                    <p:set>
+                                      <p:cBhvr>
+                                        <p:cTn id="12" dur="1" fill="hold">
+                                          <p:stCondLst>
+                                            <p:cond delay="0"/>
+                                          </p:stCondLst>
+                                        </p:cTn>
+                                        <p:tgtEl>
+                                          <p:spTgt spid="3">
+                                            <p:txEl>
+                                              <p:pRg st="3" end="3"/>
+                                            </p:txEl>
+                                          </p:spTgt>
+                                        </p:tgtEl>
+                                        <p:attrNameLst>
+                                          <p:attrName>style.visibility</p:attrName>
+                                        </p:attrNameLst>
+                                      </p:cBhvr>
+                                      <p:to>
+                                        <p:strVal val="visible"/>
+                                      </p:to>
+                                    </p:set>
+                                  </p:childTnLst>
+                                </p:cTn>
+                              </p:par>
+                              <p:par>
+                                <p:cTn id="13" presetID="1" presetClass="entr" presetSubtype="0" fill="hold" nodeType="withEffect">
+                                  <p:stCondLst>
+                                    <p:cond delay="0"/>
+                                  </p:stCondLst>
+                                  <p:childTnLst>
+                                    <p:set>
+                                      <p:cBhvr>
+                                        <p:cTn id="14" dur="1" fill="hold">
+                                          <p:stCondLst>
+                                            <p:cond delay="0"/>
+                                          </p:stCondLst>
+                                        </p:cTn>
+                                        <p:tgtEl>
+                                          <p:spTgt spid="7"/>
+                                        </p:tgtEl>
+                                        <p:attrNameLst>
+                                          <p:attrName>style.visibility</p:attrName>
+                                        </p:attrNameLst>
+                                      </p:cBhvr>
+                                      <p:to>
+                                        <p:strVal val="visible"/>
+                                      </p:to>
+                                    </p:set>
+                                  </p:childTnLst>
+                                </p:cTn>
+                              </p:par>
+                            </p:childTnLst>
+                          </p:cTn>
+                        </p:par>
+                      </p:childTnLst>
+                    </p:cTn>
+                  </p:par>
+                  <p:par>
+                    <p:cTn id="15" fill="hold">
+                      <p:stCondLst>
+                        <p:cond delay="indefinite"/>
+                      </p:stCondLst>
+                      <p:childTnLst>
+                        <p:par>
+                          <p:cTn id="16" fill="hold">
+                            <p:stCondLst>
+                              <p:cond delay="0"/>
+                            </p:stCondLst>
+                            <p:childTnLst>
+                              <p:par>
+                                <p:cTn id="17" presetID="1" presetClass="entr" presetSubtype="0" fill="hold" grpId="0" nodeType="clickEffect">
+                                  <p:stCondLst>
+                                    <p:cond delay="0"/>
+                                  </p:stCondLst>
+                                  <p:childTnLst>
+                                    <p:set>
+                                      <p:cBhvr>
+                                        <p:cTn id="18" dur="1" fill="hold">
+                                          <p:stCondLst>
+                                            <p:cond delay="0"/>
+                                          </p:stCondLst>
+                                        </p:cTn>
+                                        <p:tgtEl>
+                                          <p:spTgt spid="3">
+                                            <p:txEl>
+                                              <p:pRg st="5" end="5"/>
+                                            </p:txEl>
+                                          </p:spTgt>
+                                        </p:tgtEl>
+                                        <p:attrNameLst>
+                                          <p:attrName>style.visibility</p:attrName>
+                                        </p:attrNameLst>
+                                      </p:cBhvr>
+                                      <p:to>
+                                        <p:strVal val="visible"/>
+                                      </p:to>
+                                    </p:set>
+                                  </p:childTnLst>
+                                </p:cTn>
+                              </p:par>
+                              <p:par>
+                                <p:cTn id="19" presetID="1" presetClass="entr" presetSubtype="0" fill="hold" nodeType="withEffect">
+                                  <p:stCondLst>
+                                    <p:cond delay="0"/>
+                                  </p:stCondLst>
+                                  <p:childTnLst>
+                                    <p:set>
+                                      <p:cBhvr>
+                                        <p:cTn id="20" dur="1" fill="hold">
+                                          <p:stCondLst>
+                                            <p:cond delay="0"/>
+                                          </p:stCondLst>
+                                        </p:cTn>
+                                        <p:tgtEl>
+                                          <p:spTgt spid="2050"/>
+                                        </p:tgtEl>
+                                        <p:attrNameLst>
+                                          <p:attrName>style.visibility</p:attrName>
+                                        </p:attrNameLst>
+                                      </p:cBhvr>
+                                      <p:to>
+                                        <p:strVal val="visible"/>
+                                      </p:to>
+                                    </p:set>
+                                  </p:childTnLst>
+                                </p:cTn>
+                              </p:par>
+                            </p:childTnLst>
+                          </p:cTn>
+                        </p:par>
+                      </p:childTnLst>
+                    </p:cTn>
+                  </p:par>
+                </p:childTnLst>
+              </p:cTn>
+              <p:prevCondLst>
+                <p:cond evt="onPrev" delay="0">
+                  <p:tgtEl>
+                    <p:sldTgt/>
+                  </p:tgtEl>
+                </p:cond>
+              </p:prevCondLst>
+              <p:nextCondLst>
+                <p:cond evt="onNext" delay="0">
+                  <p:tgtEl>
+                    <p:sldTgt/>
+                  </p:tgtEl>
+                </p:cond>
+              </p:nextCondLst>
+            </p:seq>
+          </p:childTnLst>
+        </p:cTn>
+      </p:par>
+    </p:tnLst>
+    <p:bldLst>
+      <p:bldP spid="3" grpId="0" uiExpand="1" build="p"/>
+    </p:bldLst>
+  </p:timing>
 </p:sld>
 </file>
 
@@ -6426,7 +6687,6 @@
               <a:rPr lang="de-CH" dirty="0" smtClean="0"/>
               <a:t>Neue Schiffe </a:t>
             </a:r>
-            <a:endParaRPr lang="de-CH" dirty="0" smtClean="0"/>
           </a:p>
           <a:p>
             <a:endParaRPr lang="de-CH" dirty="0"/>
@@ -6545,7 +6805,7 @@
         </p:blipFill>
         <p:spPr bwMode="auto">
           <a:xfrm>
-            <a:off x="5919681" y="3944473"/>
+            <a:off x="5919681" y="3881718"/>
             <a:ext cx="1459509" cy="729937"/>
           </a:xfrm>
           <a:prstGeom prst="rect">
@@ -6586,7 +6846,7 @@
         </p:blipFill>
         <p:spPr bwMode="auto">
           <a:xfrm>
-            <a:off x="5919682" y="5013176"/>
+            <a:off x="5919682" y="4932491"/>
             <a:ext cx="1459509" cy="729937"/>
           </a:xfrm>
           <a:prstGeom prst="rect">
@@ -6665,6 +6925,33 @@
                                   </p:childTnLst>
                                 </p:cTn>
                               </p:par>
+                              <p:par>
+                                <p:cTn id="7" presetID="1" presetClass="entr" presetSubtype="0" fill="hold" nodeType="withEffect">
+                                  <p:stCondLst>
+                                    <p:cond delay="0"/>
+                                  </p:stCondLst>
+                                  <p:childTnLst>
+                                    <p:set>
+                                      <p:cBhvr>
+                                        <p:cTn id="8" dur="1" fill="hold">
+                                          <p:stCondLst>
+                                            <p:cond delay="0"/>
+                                          </p:stCondLst>
+                                        </p:cTn>
+                                        <p:tgtEl>
+                                          <p:spTgt spid="1027"/>
+                                        </p:tgtEl>
+                                        <p:attrNameLst>
+                                          <p:attrName>style.visibility</p:attrName>
+                                        </p:attrNameLst>
+                                      </p:cBhvr>
+                                      <p:to>
+                                        <p:strVal val="visible"/>
+                                      </p:to>
+                                    </p:set>
+                                  </p:childTnLst>
+                                </p:cTn>
+                              </p:par>
                             </p:childTnLst>
                           </p:cTn>
                         </p:par>
@@ -6672,26 +6959,26 @@
                     </p:cTn>
                   </p:par>
                   <p:par>
-                    <p:cTn id="7" fill="hold">
+                    <p:cTn id="9" fill="hold">
                       <p:stCondLst>
                         <p:cond delay="indefinite"/>
                       </p:stCondLst>
                       <p:childTnLst>
                         <p:par>
-                          <p:cTn id="8" fill="hold">
+                          <p:cTn id="10" fill="hold">
                             <p:stCondLst>
                               <p:cond delay="0"/>
                             </p:stCondLst>
                             <p:childTnLst>
                               <p:par>
-                                <p:cTn id="9" presetID="1" presetClass="entr" presetSubtype="0" fill="hold" nodeType="clickEffect">
+                                <p:cTn id="11" presetID="1" presetClass="entr" presetSubtype="0" fill="hold" nodeType="clickEffect">
                                   <p:stCondLst>
                                     <p:cond delay="0"/>
                                   </p:stCondLst>
                                   <p:childTnLst>
                                     <p:set>
                                       <p:cBhvr>
-                                        <p:cTn id="10" dur="1" fill="hold">
+                                        <p:cTn id="12" dur="1" fill="hold">
                                           <p:stCondLst>
                                             <p:cond delay="0"/>
                                           </p:stCondLst>
@@ -6714,26 +7001,8 @@
                                   </p:childTnLst>
                                 </p:cTn>
                               </p:par>
-                            </p:childTnLst>
-                          </p:cTn>
-                        </p:par>
-                      </p:childTnLst>
-                    </p:cTn>
-                  </p:par>
-                  <p:par>
-                    <p:cTn id="11" fill="hold">
-                      <p:stCondLst>
-                        <p:cond delay="indefinite"/>
-                      </p:stCondLst>
-                      <p:childTnLst>
-                        <p:par>
-                          <p:cTn id="12" fill="hold">
-                            <p:stCondLst>
-                              <p:cond delay="0"/>
-                            </p:stCondLst>
-                            <p:childTnLst>
                               <p:par>
-                                <p:cTn id="13" presetID="1" presetClass="entr" presetSubtype="0" fill="hold" nodeType="clickEffect">
+                                <p:cTn id="13" presetID="1" presetClass="entr" presetSubtype="0" fill="hold" nodeType="withEffect">
                                   <p:stCondLst>
                                     <p:cond delay="0"/>
                                   </p:stCondLst>
@@ -6746,11 +7015,7 @@
                                           </p:stCondLst>
                                         </p:cTn>
                                         <p:tgtEl>
-                                          <p:spTgt spid="5">
-                                            <p:txEl>
-                                              <p:pRg st="5" end="5"/>
-                                            </p:txEl>
-                                          </p:spTgt>
+                                          <p:spTgt spid="1026"/>
                                         </p:tgtEl>
                                         <p:attrNameLst>
                                           <p:attrName>style.visibility</p:attrName>
@@ -6797,9 +7062,112 @@
                                         <p:tgtEl>
                                           <p:spTgt spid="5">
                                             <p:txEl>
+                                              <p:pRg st="5" end="5"/>
+                                            </p:txEl>
+                                          </p:spTgt>
+                                        </p:tgtEl>
+                                        <p:attrNameLst>
+                                          <p:attrName>style.visibility</p:attrName>
+                                        </p:attrNameLst>
+                                      </p:cBhvr>
+                                      <p:to>
+                                        <p:strVal val="visible"/>
+                                      </p:to>
+                                    </p:set>
+                                  </p:childTnLst>
+                                </p:cTn>
+                              </p:par>
+                              <p:par>
+                                <p:cTn id="19" presetID="1" presetClass="entr" presetSubtype="0" fill="hold" nodeType="withEffect">
+                                  <p:stCondLst>
+                                    <p:cond delay="0"/>
+                                  </p:stCondLst>
+                                  <p:childTnLst>
+                                    <p:set>
+                                      <p:cBhvr>
+                                        <p:cTn id="20" dur="1" fill="hold">
+                                          <p:stCondLst>
+                                            <p:cond delay="0"/>
+                                          </p:stCondLst>
+                                        </p:cTn>
+                                        <p:tgtEl>
+                                          <p:spTgt spid="1031"/>
+                                        </p:tgtEl>
+                                        <p:attrNameLst>
+                                          <p:attrName>style.visibility</p:attrName>
+                                        </p:attrNameLst>
+                                      </p:cBhvr>
+                                      <p:to>
+                                        <p:strVal val="visible"/>
+                                      </p:to>
+                                    </p:set>
+                                  </p:childTnLst>
+                                </p:cTn>
+                              </p:par>
+                            </p:childTnLst>
+                          </p:cTn>
+                        </p:par>
+                      </p:childTnLst>
+                    </p:cTn>
+                  </p:par>
+                  <p:par>
+                    <p:cTn id="21" fill="hold">
+                      <p:stCondLst>
+                        <p:cond delay="indefinite"/>
+                      </p:stCondLst>
+                      <p:childTnLst>
+                        <p:par>
+                          <p:cTn id="22" fill="hold">
+                            <p:stCondLst>
+                              <p:cond delay="0"/>
+                            </p:stCondLst>
+                            <p:childTnLst>
+                              <p:par>
+                                <p:cTn id="23" presetID="1" presetClass="entr" presetSubtype="0" fill="hold" nodeType="clickEffect">
+                                  <p:stCondLst>
+                                    <p:cond delay="0"/>
+                                  </p:stCondLst>
+                                  <p:childTnLst>
+                                    <p:set>
+                                      <p:cBhvr>
+                                        <p:cTn id="24" dur="1" fill="hold">
+                                          <p:stCondLst>
+                                            <p:cond delay="0"/>
+                                          </p:stCondLst>
+                                        </p:cTn>
+                                        <p:tgtEl>
+                                          <p:spTgt spid="5">
+                                            <p:txEl>
                                               <p:pRg st="7" end="7"/>
                                             </p:txEl>
                                           </p:spTgt>
+                                        </p:tgtEl>
+                                        <p:attrNameLst>
+                                          <p:attrName>style.visibility</p:attrName>
+                                        </p:attrNameLst>
+                                      </p:cBhvr>
+                                      <p:to>
+                                        <p:strVal val="visible"/>
+                                      </p:to>
+                                    </p:set>
+                                  </p:childTnLst>
+                                </p:cTn>
+                              </p:par>
+                              <p:par>
+                                <p:cTn id="25" presetID="1" presetClass="entr" presetSubtype="0" fill="hold" nodeType="withEffect">
+                                  <p:stCondLst>
+                                    <p:cond delay="0"/>
+                                  </p:stCondLst>
+                                  <p:childTnLst>
+                                    <p:set>
+                                      <p:cBhvr>
+                                        <p:cTn id="26" dur="1" fill="hold">
+                                          <p:stCondLst>
+                                            <p:cond delay="0"/>
+                                          </p:stCondLst>
+                                        </p:cTn>
+                                        <p:tgtEl>
+                                          <p:spTgt spid="2"/>
                                         </p:tgtEl>
                                         <p:attrNameLst>
                                           <p:attrName>style.visibility</p:attrName>
@@ -7673,7 +8041,7 @@
   <a:extraClrSchemeLst/>
   <a:extLst>
     <a:ext uri="{05A4C25C-085E-4340-85A3-A5531E510DB2}">
-      <thm15:themeFamily xmlns="" xmlns:thm15="http://schemas.microsoft.com/office/thememl/2012/main" name="Office Theme" id="{62F939B6-93AF-4DB8-9C6B-D6C7DFDC589F}" vid="{4A3C46E8-61CC-4603-A589-7422A47A8E4A}"/>
+      <thm15:themeFamily xmlns:thm15="http://schemas.microsoft.com/office/thememl/2012/main" name="Office Theme" id="{62F939B6-93AF-4DB8-9C6B-D6C7DFDC589F}" vid="{4A3C46E8-61CC-4603-A589-7422A47A8E4A}"/>
     </a:ext>
   </a:extLst>
 </a:theme>

--- a/Documents/Schlusspräsentation/Schlussbericht_Präsentation_v1.pptx
+++ b/Documents/Schlusspräsentation/Schlussbericht_Präsentation_v1.pptx
@@ -226,7 +226,7 @@
           <a:p>
             <a:fld id="{4B25F24D-90CF-44A7-A9EA-C384FF6564EC}" type="datetimeFigureOut">
               <a:rPr lang="de-CH" smtClean="0"/>
-              <a:t>08.12.2014</a:t>
+              <a:t>09.12.2014</a:t>
             </a:fld>
             <a:endParaRPr lang="de-CH"/>
           </a:p>
@@ -391,7 +391,7 @@
           <a:p>
             <a:fld id="{F2686799-5163-409F-B733-C9681AE00980}" type="datetimeFigureOut">
               <a:rPr lang="de-CH" smtClean="0"/>
-              <a:t>08.12.2014</a:t>
+              <a:t>09.12.2014</a:t>
             </a:fld>
             <a:endParaRPr lang="de-CH"/>
           </a:p>
@@ -659,6 +659,1176 @@
 </p:notesMaster>
 </file>
 
+<file path=ppt/notesSlides/notesSlide1.xml><?xml version="1.0" encoding="utf-8"?>
+<p:notes xmlns:a="http://schemas.openxmlformats.org/drawingml/2006/main" xmlns:r="http://schemas.openxmlformats.org/officeDocument/2006/relationships" xmlns:p="http://schemas.openxmlformats.org/presentationml/2006/main">
+  <p:cSld>
+    <p:spTree>
+      <p:nvGrpSpPr>
+        <p:cNvPr id="1" name=""/>
+        <p:cNvGrpSpPr/>
+        <p:nvPr/>
+      </p:nvGrpSpPr>
+      <p:grpSpPr>
+        <a:xfrm>
+          <a:off x="0" y="0"/>
+          <a:ext cx="0" cy="0"/>
+          <a:chOff x="0" y="0"/>
+          <a:chExt cx="0" cy="0"/>
+        </a:xfrm>
+      </p:grpSpPr>
+      <p:sp>
+        <p:nvSpPr>
+          <p:cNvPr id="2" name="Folienbildplatzhalter 1"/>
+          <p:cNvSpPr>
+            <a:spLocks noGrp="1" noRot="1" noChangeAspect="1"/>
+          </p:cNvSpPr>
+          <p:nvPr>
+            <p:ph type="sldImg"/>
+          </p:nvPr>
+        </p:nvSpPr>
+        <p:spPr/>
+      </p:sp>
+      <p:sp>
+        <p:nvSpPr>
+          <p:cNvPr id="3" name="Notizenplatzhalter 2"/>
+          <p:cNvSpPr>
+            <a:spLocks noGrp="1"/>
+          </p:cNvSpPr>
+          <p:nvPr>
+            <p:ph type="body" idx="1"/>
+          </p:nvPr>
+        </p:nvSpPr>
+        <p:spPr/>
+        <p:txBody>
+          <a:bodyPr/>
+          <a:lstStyle/>
+          <a:p>
+            <a:endParaRPr lang="de-CH"/>
+          </a:p>
+        </p:txBody>
+      </p:sp>
+      <p:sp>
+        <p:nvSpPr>
+          <p:cNvPr id="4" name="Foliennummernplatzhalter 3"/>
+          <p:cNvSpPr>
+            <a:spLocks noGrp="1"/>
+          </p:cNvSpPr>
+          <p:nvPr>
+            <p:ph type="sldNum" sz="quarter" idx="10"/>
+          </p:nvPr>
+        </p:nvSpPr>
+        <p:spPr/>
+        <p:txBody>
+          <a:bodyPr/>
+          <a:lstStyle/>
+          <a:p>
+            <a:fld id="{539D6FB8-A289-4D31-AE1B-368BC10F6FE7}" type="slidenum">
+              <a:rPr lang="de-CH" smtClean="0"/>
+              <a:t>1</a:t>
+            </a:fld>
+            <a:endParaRPr lang="de-CH"/>
+          </a:p>
+        </p:txBody>
+      </p:sp>
+    </p:spTree>
+    <p:extLst>
+      <p:ext uri="{BB962C8B-B14F-4D97-AF65-F5344CB8AC3E}">
+        <p14:creationId xmlns:p14="http://schemas.microsoft.com/office/powerpoint/2010/main" val="2794880645"/>
+      </p:ext>
+    </p:extLst>
+  </p:cSld>
+  <p:clrMapOvr>
+    <a:masterClrMapping/>
+  </p:clrMapOvr>
+</p:notes>
+</file>
+
+<file path=ppt/notesSlides/notesSlide10.xml><?xml version="1.0" encoding="utf-8"?>
+<p:notes xmlns:a="http://schemas.openxmlformats.org/drawingml/2006/main" xmlns:r="http://schemas.openxmlformats.org/officeDocument/2006/relationships" xmlns:p="http://schemas.openxmlformats.org/presentationml/2006/main">
+  <p:cSld>
+    <p:spTree>
+      <p:nvGrpSpPr>
+        <p:cNvPr id="1" name=""/>
+        <p:cNvGrpSpPr/>
+        <p:nvPr/>
+      </p:nvGrpSpPr>
+      <p:grpSpPr>
+        <a:xfrm>
+          <a:off x="0" y="0"/>
+          <a:ext cx="0" cy="0"/>
+          <a:chOff x="0" y="0"/>
+          <a:chExt cx="0" cy="0"/>
+        </a:xfrm>
+      </p:grpSpPr>
+      <p:sp>
+        <p:nvSpPr>
+          <p:cNvPr id="2" name="Folienbildplatzhalter 1"/>
+          <p:cNvSpPr>
+            <a:spLocks noGrp="1" noRot="1" noChangeAspect="1"/>
+          </p:cNvSpPr>
+          <p:nvPr>
+            <p:ph type="sldImg"/>
+          </p:nvPr>
+        </p:nvSpPr>
+        <p:spPr/>
+      </p:sp>
+      <p:sp>
+        <p:nvSpPr>
+          <p:cNvPr id="3" name="Notizenplatzhalter 2"/>
+          <p:cNvSpPr>
+            <a:spLocks noGrp="1"/>
+          </p:cNvSpPr>
+          <p:nvPr>
+            <p:ph type="body" idx="1"/>
+          </p:nvPr>
+        </p:nvSpPr>
+        <p:spPr/>
+        <p:txBody>
+          <a:bodyPr/>
+          <a:lstStyle/>
+          <a:p>
+            <a:endParaRPr lang="de-CH"/>
+          </a:p>
+        </p:txBody>
+      </p:sp>
+      <p:sp>
+        <p:nvSpPr>
+          <p:cNvPr id="4" name="Foliennummernplatzhalter 3"/>
+          <p:cNvSpPr>
+            <a:spLocks noGrp="1"/>
+          </p:cNvSpPr>
+          <p:nvPr>
+            <p:ph type="sldNum" sz="quarter" idx="10"/>
+          </p:nvPr>
+        </p:nvSpPr>
+        <p:spPr/>
+        <p:txBody>
+          <a:bodyPr/>
+          <a:lstStyle/>
+          <a:p>
+            <a:fld id="{539D6FB8-A289-4D31-AE1B-368BC10F6FE7}" type="slidenum">
+              <a:rPr lang="de-CH" smtClean="0"/>
+              <a:t>10</a:t>
+            </a:fld>
+            <a:endParaRPr lang="de-CH"/>
+          </a:p>
+        </p:txBody>
+      </p:sp>
+    </p:spTree>
+    <p:extLst>
+      <p:ext uri="{BB962C8B-B14F-4D97-AF65-F5344CB8AC3E}">
+        <p14:creationId xmlns:p14="http://schemas.microsoft.com/office/powerpoint/2010/main" val="2836320936"/>
+      </p:ext>
+    </p:extLst>
+  </p:cSld>
+  <p:clrMapOvr>
+    <a:masterClrMapping/>
+  </p:clrMapOvr>
+</p:notes>
+</file>
+
+<file path=ppt/notesSlides/notesSlide11.xml><?xml version="1.0" encoding="utf-8"?>
+<p:notes xmlns:a="http://schemas.openxmlformats.org/drawingml/2006/main" xmlns:r="http://schemas.openxmlformats.org/officeDocument/2006/relationships" xmlns:p="http://schemas.openxmlformats.org/presentationml/2006/main">
+  <p:cSld>
+    <p:spTree>
+      <p:nvGrpSpPr>
+        <p:cNvPr id="1" name=""/>
+        <p:cNvGrpSpPr/>
+        <p:nvPr/>
+      </p:nvGrpSpPr>
+      <p:grpSpPr>
+        <a:xfrm>
+          <a:off x="0" y="0"/>
+          <a:ext cx="0" cy="0"/>
+          <a:chOff x="0" y="0"/>
+          <a:chExt cx="0" cy="0"/>
+        </a:xfrm>
+      </p:grpSpPr>
+      <p:sp>
+        <p:nvSpPr>
+          <p:cNvPr id="2" name="Folienbildplatzhalter 1"/>
+          <p:cNvSpPr>
+            <a:spLocks noGrp="1" noRot="1" noChangeAspect="1"/>
+          </p:cNvSpPr>
+          <p:nvPr>
+            <p:ph type="sldImg"/>
+          </p:nvPr>
+        </p:nvSpPr>
+        <p:spPr/>
+      </p:sp>
+      <p:sp>
+        <p:nvSpPr>
+          <p:cNvPr id="3" name="Notizenplatzhalter 2"/>
+          <p:cNvSpPr>
+            <a:spLocks noGrp="1"/>
+          </p:cNvSpPr>
+          <p:nvPr>
+            <p:ph type="body" idx="1"/>
+          </p:nvPr>
+        </p:nvSpPr>
+        <p:spPr/>
+        <p:txBody>
+          <a:bodyPr/>
+          <a:lstStyle/>
+          <a:p>
+            <a:endParaRPr lang="de-CH"/>
+          </a:p>
+        </p:txBody>
+      </p:sp>
+      <p:sp>
+        <p:nvSpPr>
+          <p:cNvPr id="4" name="Foliennummernplatzhalter 3"/>
+          <p:cNvSpPr>
+            <a:spLocks noGrp="1"/>
+          </p:cNvSpPr>
+          <p:nvPr>
+            <p:ph type="sldNum" sz="quarter" idx="10"/>
+          </p:nvPr>
+        </p:nvSpPr>
+        <p:spPr/>
+        <p:txBody>
+          <a:bodyPr/>
+          <a:lstStyle/>
+          <a:p>
+            <a:fld id="{539D6FB8-A289-4D31-AE1B-368BC10F6FE7}" type="slidenum">
+              <a:rPr lang="de-CH" smtClean="0"/>
+              <a:t>11</a:t>
+            </a:fld>
+            <a:endParaRPr lang="de-CH"/>
+          </a:p>
+        </p:txBody>
+      </p:sp>
+    </p:spTree>
+    <p:extLst>
+      <p:ext uri="{BB962C8B-B14F-4D97-AF65-F5344CB8AC3E}">
+        <p14:creationId xmlns:p14="http://schemas.microsoft.com/office/powerpoint/2010/main" val="2703182899"/>
+      </p:ext>
+    </p:extLst>
+  </p:cSld>
+  <p:clrMapOvr>
+    <a:masterClrMapping/>
+  </p:clrMapOvr>
+</p:notes>
+</file>
+
+<file path=ppt/notesSlides/notesSlide12.xml><?xml version="1.0" encoding="utf-8"?>
+<p:notes xmlns:a="http://schemas.openxmlformats.org/drawingml/2006/main" xmlns:r="http://schemas.openxmlformats.org/officeDocument/2006/relationships" xmlns:p="http://schemas.openxmlformats.org/presentationml/2006/main">
+  <p:cSld>
+    <p:spTree>
+      <p:nvGrpSpPr>
+        <p:cNvPr id="1" name=""/>
+        <p:cNvGrpSpPr/>
+        <p:nvPr/>
+      </p:nvGrpSpPr>
+      <p:grpSpPr>
+        <a:xfrm>
+          <a:off x="0" y="0"/>
+          <a:ext cx="0" cy="0"/>
+          <a:chOff x="0" y="0"/>
+          <a:chExt cx="0" cy="0"/>
+        </a:xfrm>
+      </p:grpSpPr>
+      <p:sp>
+        <p:nvSpPr>
+          <p:cNvPr id="2" name="Folienbildplatzhalter 1"/>
+          <p:cNvSpPr>
+            <a:spLocks noGrp="1" noRot="1" noChangeAspect="1"/>
+          </p:cNvSpPr>
+          <p:nvPr>
+            <p:ph type="sldImg"/>
+          </p:nvPr>
+        </p:nvSpPr>
+        <p:spPr/>
+      </p:sp>
+      <p:sp>
+        <p:nvSpPr>
+          <p:cNvPr id="3" name="Notizenplatzhalter 2"/>
+          <p:cNvSpPr>
+            <a:spLocks noGrp="1"/>
+          </p:cNvSpPr>
+          <p:nvPr>
+            <p:ph type="body" idx="1"/>
+          </p:nvPr>
+        </p:nvSpPr>
+        <p:spPr/>
+        <p:txBody>
+          <a:bodyPr/>
+          <a:lstStyle/>
+          <a:p>
+            <a:endParaRPr lang="de-CH"/>
+          </a:p>
+        </p:txBody>
+      </p:sp>
+      <p:sp>
+        <p:nvSpPr>
+          <p:cNvPr id="4" name="Foliennummernplatzhalter 3"/>
+          <p:cNvSpPr>
+            <a:spLocks noGrp="1"/>
+          </p:cNvSpPr>
+          <p:nvPr>
+            <p:ph type="sldNum" sz="quarter" idx="10"/>
+          </p:nvPr>
+        </p:nvSpPr>
+        <p:spPr/>
+        <p:txBody>
+          <a:bodyPr/>
+          <a:lstStyle/>
+          <a:p>
+            <a:fld id="{539D6FB8-A289-4D31-AE1B-368BC10F6FE7}" type="slidenum">
+              <a:rPr lang="de-CH" smtClean="0"/>
+              <a:t>12</a:t>
+            </a:fld>
+            <a:endParaRPr lang="de-CH"/>
+          </a:p>
+        </p:txBody>
+      </p:sp>
+    </p:spTree>
+    <p:extLst>
+      <p:ext uri="{BB962C8B-B14F-4D97-AF65-F5344CB8AC3E}">
+        <p14:creationId xmlns:p14="http://schemas.microsoft.com/office/powerpoint/2010/main" val="1127618727"/>
+      </p:ext>
+    </p:extLst>
+  </p:cSld>
+  <p:clrMapOvr>
+    <a:masterClrMapping/>
+  </p:clrMapOvr>
+</p:notes>
+</file>
+
+<file path=ppt/notesSlides/notesSlide13.xml><?xml version="1.0" encoding="utf-8"?>
+<p:notes xmlns:a="http://schemas.openxmlformats.org/drawingml/2006/main" xmlns:r="http://schemas.openxmlformats.org/officeDocument/2006/relationships" xmlns:p="http://schemas.openxmlformats.org/presentationml/2006/main">
+  <p:cSld>
+    <p:spTree>
+      <p:nvGrpSpPr>
+        <p:cNvPr id="1" name=""/>
+        <p:cNvGrpSpPr/>
+        <p:nvPr/>
+      </p:nvGrpSpPr>
+      <p:grpSpPr>
+        <a:xfrm>
+          <a:off x="0" y="0"/>
+          <a:ext cx="0" cy="0"/>
+          <a:chOff x="0" y="0"/>
+          <a:chExt cx="0" cy="0"/>
+        </a:xfrm>
+      </p:grpSpPr>
+      <p:sp>
+        <p:nvSpPr>
+          <p:cNvPr id="2" name="Folienbildplatzhalter 1"/>
+          <p:cNvSpPr>
+            <a:spLocks noGrp="1" noRot="1" noChangeAspect="1"/>
+          </p:cNvSpPr>
+          <p:nvPr>
+            <p:ph type="sldImg"/>
+          </p:nvPr>
+        </p:nvSpPr>
+        <p:spPr/>
+      </p:sp>
+      <p:sp>
+        <p:nvSpPr>
+          <p:cNvPr id="3" name="Notizenplatzhalter 2"/>
+          <p:cNvSpPr>
+            <a:spLocks noGrp="1"/>
+          </p:cNvSpPr>
+          <p:nvPr>
+            <p:ph type="body" idx="1"/>
+          </p:nvPr>
+        </p:nvSpPr>
+        <p:spPr/>
+        <p:txBody>
+          <a:bodyPr/>
+          <a:lstStyle/>
+          <a:p>
+            <a:endParaRPr lang="de-CH"/>
+          </a:p>
+        </p:txBody>
+      </p:sp>
+      <p:sp>
+        <p:nvSpPr>
+          <p:cNvPr id="4" name="Foliennummernplatzhalter 3"/>
+          <p:cNvSpPr>
+            <a:spLocks noGrp="1"/>
+          </p:cNvSpPr>
+          <p:nvPr>
+            <p:ph type="sldNum" sz="quarter" idx="10"/>
+          </p:nvPr>
+        </p:nvSpPr>
+        <p:spPr/>
+        <p:txBody>
+          <a:bodyPr/>
+          <a:lstStyle/>
+          <a:p>
+            <a:fld id="{539D6FB8-A289-4D31-AE1B-368BC10F6FE7}" type="slidenum">
+              <a:rPr lang="de-CH" smtClean="0"/>
+              <a:t>13</a:t>
+            </a:fld>
+            <a:endParaRPr lang="de-CH"/>
+          </a:p>
+        </p:txBody>
+      </p:sp>
+    </p:spTree>
+    <p:extLst>
+      <p:ext uri="{BB962C8B-B14F-4D97-AF65-F5344CB8AC3E}">
+        <p14:creationId xmlns:p14="http://schemas.microsoft.com/office/powerpoint/2010/main" val="417318475"/>
+      </p:ext>
+    </p:extLst>
+  </p:cSld>
+  <p:clrMapOvr>
+    <a:masterClrMapping/>
+  </p:clrMapOvr>
+</p:notes>
+</file>
+
+<file path=ppt/notesSlides/notesSlide2.xml><?xml version="1.0" encoding="utf-8"?>
+<p:notes xmlns:a="http://schemas.openxmlformats.org/drawingml/2006/main" xmlns:r="http://schemas.openxmlformats.org/officeDocument/2006/relationships" xmlns:p="http://schemas.openxmlformats.org/presentationml/2006/main">
+  <p:cSld>
+    <p:spTree>
+      <p:nvGrpSpPr>
+        <p:cNvPr id="1" name=""/>
+        <p:cNvGrpSpPr/>
+        <p:nvPr/>
+      </p:nvGrpSpPr>
+      <p:grpSpPr>
+        <a:xfrm>
+          <a:off x="0" y="0"/>
+          <a:ext cx="0" cy="0"/>
+          <a:chOff x="0" y="0"/>
+          <a:chExt cx="0" cy="0"/>
+        </a:xfrm>
+      </p:grpSpPr>
+      <p:sp>
+        <p:nvSpPr>
+          <p:cNvPr id="2" name="Folienbildplatzhalter 1"/>
+          <p:cNvSpPr>
+            <a:spLocks noGrp="1" noRot="1" noChangeAspect="1"/>
+          </p:cNvSpPr>
+          <p:nvPr>
+            <p:ph type="sldImg"/>
+          </p:nvPr>
+        </p:nvSpPr>
+        <p:spPr/>
+      </p:sp>
+      <p:sp>
+        <p:nvSpPr>
+          <p:cNvPr id="3" name="Notizenplatzhalter 2"/>
+          <p:cNvSpPr>
+            <a:spLocks noGrp="1"/>
+          </p:cNvSpPr>
+          <p:nvPr>
+            <p:ph type="body" idx="1"/>
+          </p:nvPr>
+        </p:nvSpPr>
+        <p:spPr/>
+        <p:txBody>
+          <a:bodyPr/>
+          <a:lstStyle/>
+          <a:p>
+            <a:r>
+              <a:rPr lang="de-CH" dirty="0" smtClean="0"/>
+              <a:t>Namenserklärung</a:t>
+            </a:r>
+          </a:p>
+          <a:p>
+            <a:r>
+              <a:rPr lang="de-CH" dirty="0" smtClean="0"/>
+              <a:t>Genau</a:t>
+            </a:r>
+            <a:r>
+              <a:rPr lang="de-CH" baseline="0" dirty="0" smtClean="0"/>
+              <a:t> darum geht es. Frachtschiffe mit </a:t>
+            </a:r>
+            <a:r>
+              <a:rPr lang="de-CH" baseline="0" dirty="0" err="1" smtClean="0"/>
+              <a:t>containern</a:t>
+            </a:r>
+            <a:r>
+              <a:rPr lang="de-CH" baseline="0" dirty="0" smtClean="0"/>
+              <a:t> zu beladen.</a:t>
+            </a:r>
+          </a:p>
+          <a:p>
+            <a:r>
+              <a:rPr lang="de-CH" baseline="0" dirty="0" smtClean="0"/>
+              <a:t>Dabei gilt es möglichst viel </a:t>
+            </a:r>
+            <a:r>
+              <a:rPr lang="de-CH" baseline="0" dirty="0" err="1" smtClean="0"/>
+              <a:t>geschick</a:t>
+            </a:r>
+            <a:r>
+              <a:rPr lang="de-CH" baseline="0" dirty="0" smtClean="0"/>
+              <a:t> beim ausbalancieren und verteilen der Ladung an den tag zu legen.</a:t>
+            </a:r>
+          </a:p>
+          <a:p>
+            <a:r>
+              <a:rPr lang="de-CH" baseline="0" dirty="0" smtClean="0"/>
+              <a:t>Die ist natürlich nicht ganz einfach, den die Schiff können je nach Ladung brechen oder kentern.</a:t>
+            </a:r>
+          </a:p>
+          <a:p>
+            <a:r>
+              <a:rPr lang="de-CH" baseline="0" dirty="0" smtClean="0"/>
+              <a:t>Das ziel beim spiel besteht darin den </a:t>
+            </a:r>
+            <a:r>
+              <a:rPr lang="de-CH" baseline="0" dirty="0" err="1" smtClean="0"/>
+              <a:t>highscore</a:t>
+            </a:r>
+            <a:r>
+              <a:rPr lang="de-CH" baseline="0" dirty="0" smtClean="0"/>
+              <a:t> zu knacken.</a:t>
+            </a:r>
+          </a:p>
+          <a:p>
+            <a:r>
+              <a:rPr lang="de-CH" baseline="0" dirty="0" smtClean="0"/>
+              <a:t>Dies in 3 </a:t>
+            </a:r>
+            <a:r>
+              <a:rPr lang="de-CH" baseline="0" dirty="0" err="1" smtClean="0"/>
+              <a:t>spielmodi</a:t>
+            </a:r>
+            <a:endParaRPr lang="de-CH" dirty="0"/>
+          </a:p>
+        </p:txBody>
+      </p:sp>
+      <p:sp>
+        <p:nvSpPr>
+          <p:cNvPr id="4" name="Foliennummernplatzhalter 3"/>
+          <p:cNvSpPr>
+            <a:spLocks noGrp="1"/>
+          </p:cNvSpPr>
+          <p:nvPr>
+            <p:ph type="sldNum" sz="quarter" idx="10"/>
+          </p:nvPr>
+        </p:nvSpPr>
+        <p:spPr/>
+        <p:txBody>
+          <a:bodyPr/>
+          <a:lstStyle/>
+          <a:p>
+            <a:fld id="{539D6FB8-A289-4D31-AE1B-368BC10F6FE7}" type="slidenum">
+              <a:rPr lang="de-CH" smtClean="0"/>
+              <a:t>2</a:t>
+            </a:fld>
+            <a:endParaRPr lang="de-CH"/>
+          </a:p>
+        </p:txBody>
+      </p:sp>
+    </p:spTree>
+    <p:extLst>
+      <p:ext uri="{BB962C8B-B14F-4D97-AF65-F5344CB8AC3E}">
+        <p14:creationId xmlns:p14="http://schemas.microsoft.com/office/powerpoint/2010/main" val="1862696118"/>
+      </p:ext>
+    </p:extLst>
+  </p:cSld>
+  <p:clrMapOvr>
+    <a:masterClrMapping/>
+  </p:clrMapOvr>
+</p:notes>
+</file>
+
+<file path=ppt/notesSlides/notesSlide3.xml><?xml version="1.0" encoding="utf-8"?>
+<p:notes xmlns:a="http://schemas.openxmlformats.org/drawingml/2006/main" xmlns:r="http://schemas.openxmlformats.org/officeDocument/2006/relationships" xmlns:p="http://schemas.openxmlformats.org/presentationml/2006/main">
+  <p:cSld>
+    <p:spTree>
+      <p:nvGrpSpPr>
+        <p:cNvPr id="1" name=""/>
+        <p:cNvGrpSpPr/>
+        <p:nvPr/>
+      </p:nvGrpSpPr>
+      <p:grpSpPr>
+        <a:xfrm>
+          <a:off x="0" y="0"/>
+          <a:ext cx="0" cy="0"/>
+          <a:chOff x="0" y="0"/>
+          <a:chExt cx="0" cy="0"/>
+        </a:xfrm>
+      </p:grpSpPr>
+      <p:sp>
+        <p:nvSpPr>
+          <p:cNvPr id="2" name="Folienbildplatzhalter 1"/>
+          <p:cNvSpPr>
+            <a:spLocks noGrp="1" noRot="1" noChangeAspect="1"/>
+          </p:cNvSpPr>
+          <p:nvPr>
+            <p:ph type="sldImg"/>
+          </p:nvPr>
+        </p:nvSpPr>
+        <p:spPr/>
+      </p:sp>
+      <p:sp>
+        <p:nvSpPr>
+          <p:cNvPr id="3" name="Notizenplatzhalter 2"/>
+          <p:cNvSpPr>
+            <a:spLocks noGrp="1"/>
+          </p:cNvSpPr>
+          <p:nvPr>
+            <p:ph type="body" idx="1"/>
+          </p:nvPr>
+        </p:nvSpPr>
+        <p:spPr/>
+        <p:txBody>
+          <a:bodyPr/>
+          <a:lstStyle/>
+          <a:p>
+            <a:r>
+              <a:rPr lang="de-CH" dirty="0" smtClean="0"/>
+              <a:t>Die drei </a:t>
+            </a:r>
+            <a:r>
+              <a:rPr lang="de-CH" dirty="0" err="1" smtClean="0"/>
+              <a:t>spielmodi</a:t>
+            </a:r>
+            <a:r>
+              <a:rPr lang="de-CH" dirty="0" smtClean="0"/>
+              <a:t> sind.</a:t>
+            </a:r>
+            <a:endParaRPr lang="de-CH" dirty="0"/>
+          </a:p>
+        </p:txBody>
+      </p:sp>
+      <p:sp>
+        <p:nvSpPr>
+          <p:cNvPr id="4" name="Foliennummernplatzhalter 3"/>
+          <p:cNvSpPr>
+            <a:spLocks noGrp="1"/>
+          </p:cNvSpPr>
+          <p:nvPr>
+            <p:ph type="sldNum" sz="quarter" idx="10"/>
+          </p:nvPr>
+        </p:nvSpPr>
+        <p:spPr/>
+        <p:txBody>
+          <a:bodyPr/>
+          <a:lstStyle/>
+          <a:p>
+            <a:fld id="{539D6FB8-A289-4D31-AE1B-368BC10F6FE7}" type="slidenum">
+              <a:rPr lang="de-CH" smtClean="0"/>
+              <a:t>3</a:t>
+            </a:fld>
+            <a:endParaRPr lang="de-CH"/>
+          </a:p>
+        </p:txBody>
+      </p:sp>
+    </p:spTree>
+    <p:extLst>
+      <p:ext uri="{BB962C8B-B14F-4D97-AF65-F5344CB8AC3E}">
+        <p14:creationId xmlns:p14="http://schemas.microsoft.com/office/powerpoint/2010/main" val="798654868"/>
+      </p:ext>
+    </p:extLst>
+  </p:cSld>
+  <p:clrMapOvr>
+    <a:masterClrMapping/>
+  </p:clrMapOvr>
+</p:notes>
+</file>
+
+<file path=ppt/notesSlides/notesSlide4.xml><?xml version="1.0" encoding="utf-8"?>
+<p:notes xmlns:a="http://schemas.openxmlformats.org/drawingml/2006/main" xmlns:r="http://schemas.openxmlformats.org/officeDocument/2006/relationships" xmlns:p="http://schemas.openxmlformats.org/presentationml/2006/main">
+  <p:cSld>
+    <p:spTree>
+      <p:nvGrpSpPr>
+        <p:cNvPr id="1" name=""/>
+        <p:cNvGrpSpPr/>
+        <p:nvPr/>
+      </p:nvGrpSpPr>
+      <p:grpSpPr>
+        <a:xfrm>
+          <a:off x="0" y="0"/>
+          <a:ext cx="0" cy="0"/>
+          <a:chOff x="0" y="0"/>
+          <a:chExt cx="0" cy="0"/>
+        </a:xfrm>
+      </p:grpSpPr>
+      <p:sp>
+        <p:nvSpPr>
+          <p:cNvPr id="2" name="Folienbildplatzhalter 1"/>
+          <p:cNvSpPr>
+            <a:spLocks noGrp="1" noRot="1" noChangeAspect="1"/>
+          </p:cNvSpPr>
+          <p:nvPr>
+            <p:ph type="sldImg"/>
+          </p:nvPr>
+        </p:nvSpPr>
+        <p:spPr/>
+      </p:sp>
+      <p:sp>
+        <p:nvSpPr>
+          <p:cNvPr id="3" name="Notizenplatzhalter 2"/>
+          <p:cNvSpPr>
+            <a:spLocks noGrp="1"/>
+          </p:cNvSpPr>
+          <p:nvPr>
+            <p:ph type="body" idx="1"/>
+          </p:nvPr>
+        </p:nvSpPr>
+        <p:spPr/>
+        <p:txBody>
+          <a:bodyPr/>
+          <a:lstStyle/>
+          <a:p>
+            <a:endParaRPr lang="de-CH"/>
+          </a:p>
+        </p:txBody>
+      </p:sp>
+      <p:sp>
+        <p:nvSpPr>
+          <p:cNvPr id="4" name="Foliennummernplatzhalter 3"/>
+          <p:cNvSpPr>
+            <a:spLocks noGrp="1"/>
+          </p:cNvSpPr>
+          <p:nvPr>
+            <p:ph type="sldNum" sz="quarter" idx="10"/>
+          </p:nvPr>
+        </p:nvSpPr>
+        <p:spPr/>
+        <p:txBody>
+          <a:bodyPr/>
+          <a:lstStyle/>
+          <a:p>
+            <a:fld id="{539D6FB8-A289-4D31-AE1B-368BC10F6FE7}" type="slidenum">
+              <a:rPr lang="de-CH" smtClean="0"/>
+              <a:t>4</a:t>
+            </a:fld>
+            <a:endParaRPr lang="de-CH"/>
+          </a:p>
+        </p:txBody>
+      </p:sp>
+    </p:spTree>
+    <p:extLst>
+      <p:ext uri="{BB962C8B-B14F-4D97-AF65-F5344CB8AC3E}">
+        <p14:creationId xmlns:p14="http://schemas.microsoft.com/office/powerpoint/2010/main" val="3048909862"/>
+      </p:ext>
+    </p:extLst>
+  </p:cSld>
+  <p:clrMapOvr>
+    <a:masterClrMapping/>
+  </p:clrMapOvr>
+</p:notes>
+</file>
+
+<file path=ppt/notesSlides/notesSlide5.xml><?xml version="1.0" encoding="utf-8"?>
+<p:notes xmlns:a="http://schemas.openxmlformats.org/drawingml/2006/main" xmlns:r="http://schemas.openxmlformats.org/officeDocument/2006/relationships" xmlns:p="http://schemas.openxmlformats.org/presentationml/2006/main">
+  <p:cSld>
+    <p:spTree>
+      <p:nvGrpSpPr>
+        <p:cNvPr id="1" name=""/>
+        <p:cNvGrpSpPr/>
+        <p:nvPr/>
+      </p:nvGrpSpPr>
+      <p:grpSpPr>
+        <a:xfrm>
+          <a:off x="0" y="0"/>
+          <a:ext cx="0" cy="0"/>
+          <a:chOff x="0" y="0"/>
+          <a:chExt cx="0" cy="0"/>
+        </a:xfrm>
+      </p:grpSpPr>
+      <p:sp>
+        <p:nvSpPr>
+          <p:cNvPr id="2" name="Folienbildplatzhalter 1"/>
+          <p:cNvSpPr>
+            <a:spLocks noGrp="1" noRot="1" noChangeAspect="1"/>
+          </p:cNvSpPr>
+          <p:nvPr>
+            <p:ph type="sldImg"/>
+          </p:nvPr>
+        </p:nvSpPr>
+        <p:spPr/>
+      </p:sp>
+      <p:sp>
+        <p:nvSpPr>
+          <p:cNvPr id="3" name="Notizenplatzhalter 2"/>
+          <p:cNvSpPr>
+            <a:spLocks noGrp="1"/>
+          </p:cNvSpPr>
+          <p:nvPr>
+            <p:ph type="body" idx="1"/>
+          </p:nvPr>
+        </p:nvSpPr>
+        <p:spPr/>
+        <p:txBody>
+          <a:bodyPr/>
+          <a:lstStyle/>
+          <a:p>
+            <a:endParaRPr lang="de-CH"/>
+          </a:p>
+        </p:txBody>
+      </p:sp>
+      <p:sp>
+        <p:nvSpPr>
+          <p:cNvPr id="4" name="Foliennummernplatzhalter 3"/>
+          <p:cNvSpPr>
+            <a:spLocks noGrp="1"/>
+          </p:cNvSpPr>
+          <p:nvPr>
+            <p:ph type="sldNum" sz="quarter" idx="10"/>
+          </p:nvPr>
+        </p:nvSpPr>
+        <p:spPr/>
+        <p:txBody>
+          <a:bodyPr/>
+          <a:lstStyle/>
+          <a:p>
+            <a:fld id="{539D6FB8-A289-4D31-AE1B-368BC10F6FE7}" type="slidenum">
+              <a:rPr lang="de-CH" smtClean="0"/>
+              <a:t>5</a:t>
+            </a:fld>
+            <a:endParaRPr lang="de-CH"/>
+          </a:p>
+        </p:txBody>
+      </p:sp>
+    </p:spTree>
+    <p:extLst>
+      <p:ext uri="{BB962C8B-B14F-4D97-AF65-F5344CB8AC3E}">
+        <p14:creationId xmlns:p14="http://schemas.microsoft.com/office/powerpoint/2010/main" val="976883278"/>
+      </p:ext>
+    </p:extLst>
+  </p:cSld>
+  <p:clrMapOvr>
+    <a:masterClrMapping/>
+  </p:clrMapOvr>
+</p:notes>
+</file>
+
+<file path=ppt/notesSlides/notesSlide6.xml><?xml version="1.0" encoding="utf-8"?>
+<p:notes xmlns:a="http://schemas.openxmlformats.org/drawingml/2006/main" xmlns:r="http://schemas.openxmlformats.org/officeDocument/2006/relationships" xmlns:p="http://schemas.openxmlformats.org/presentationml/2006/main">
+  <p:cSld>
+    <p:spTree>
+      <p:nvGrpSpPr>
+        <p:cNvPr id="1" name=""/>
+        <p:cNvGrpSpPr/>
+        <p:nvPr/>
+      </p:nvGrpSpPr>
+      <p:grpSpPr>
+        <a:xfrm>
+          <a:off x="0" y="0"/>
+          <a:ext cx="0" cy="0"/>
+          <a:chOff x="0" y="0"/>
+          <a:chExt cx="0" cy="0"/>
+        </a:xfrm>
+      </p:grpSpPr>
+      <p:sp>
+        <p:nvSpPr>
+          <p:cNvPr id="2" name="Folienbildplatzhalter 1"/>
+          <p:cNvSpPr>
+            <a:spLocks noGrp="1" noRot="1" noChangeAspect="1"/>
+          </p:cNvSpPr>
+          <p:nvPr>
+            <p:ph type="sldImg"/>
+          </p:nvPr>
+        </p:nvSpPr>
+        <p:spPr/>
+      </p:sp>
+      <p:sp>
+        <p:nvSpPr>
+          <p:cNvPr id="3" name="Notizenplatzhalter 2"/>
+          <p:cNvSpPr>
+            <a:spLocks noGrp="1"/>
+          </p:cNvSpPr>
+          <p:nvPr>
+            <p:ph type="body" idx="1"/>
+          </p:nvPr>
+        </p:nvSpPr>
+        <p:spPr/>
+        <p:txBody>
+          <a:bodyPr/>
+          <a:lstStyle/>
+          <a:p>
+            <a:endParaRPr lang="de-CH"/>
+          </a:p>
+        </p:txBody>
+      </p:sp>
+      <p:sp>
+        <p:nvSpPr>
+          <p:cNvPr id="4" name="Foliennummernplatzhalter 3"/>
+          <p:cNvSpPr>
+            <a:spLocks noGrp="1"/>
+          </p:cNvSpPr>
+          <p:nvPr>
+            <p:ph type="sldNum" sz="quarter" idx="10"/>
+          </p:nvPr>
+        </p:nvSpPr>
+        <p:spPr/>
+        <p:txBody>
+          <a:bodyPr/>
+          <a:lstStyle/>
+          <a:p>
+            <a:fld id="{539D6FB8-A289-4D31-AE1B-368BC10F6FE7}" type="slidenum">
+              <a:rPr lang="de-CH" smtClean="0"/>
+              <a:t>6</a:t>
+            </a:fld>
+            <a:endParaRPr lang="de-CH"/>
+          </a:p>
+        </p:txBody>
+      </p:sp>
+    </p:spTree>
+    <p:extLst>
+      <p:ext uri="{BB962C8B-B14F-4D97-AF65-F5344CB8AC3E}">
+        <p14:creationId xmlns:p14="http://schemas.microsoft.com/office/powerpoint/2010/main" val="2575560809"/>
+      </p:ext>
+    </p:extLst>
+  </p:cSld>
+  <p:clrMapOvr>
+    <a:masterClrMapping/>
+  </p:clrMapOvr>
+</p:notes>
+</file>
+
+<file path=ppt/notesSlides/notesSlide7.xml><?xml version="1.0" encoding="utf-8"?>
+<p:notes xmlns:a="http://schemas.openxmlformats.org/drawingml/2006/main" xmlns:r="http://schemas.openxmlformats.org/officeDocument/2006/relationships" xmlns:p="http://schemas.openxmlformats.org/presentationml/2006/main">
+  <p:cSld>
+    <p:spTree>
+      <p:nvGrpSpPr>
+        <p:cNvPr id="1" name=""/>
+        <p:cNvGrpSpPr/>
+        <p:nvPr/>
+      </p:nvGrpSpPr>
+      <p:grpSpPr>
+        <a:xfrm>
+          <a:off x="0" y="0"/>
+          <a:ext cx="0" cy="0"/>
+          <a:chOff x="0" y="0"/>
+          <a:chExt cx="0" cy="0"/>
+        </a:xfrm>
+      </p:grpSpPr>
+      <p:sp>
+        <p:nvSpPr>
+          <p:cNvPr id="2" name="Folienbildplatzhalter 1"/>
+          <p:cNvSpPr>
+            <a:spLocks noGrp="1" noRot="1" noChangeAspect="1"/>
+          </p:cNvSpPr>
+          <p:nvPr>
+            <p:ph type="sldImg"/>
+          </p:nvPr>
+        </p:nvSpPr>
+        <p:spPr/>
+      </p:sp>
+      <p:sp>
+        <p:nvSpPr>
+          <p:cNvPr id="3" name="Notizenplatzhalter 2"/>
+          <p:cNvSpPr>
+            <a:spLocks noGrp="1"/>
+          </p:cNvSpPr>
+          <p:nvPr>
+            <p:ph type="body" idx="1"/>
+          </p:nvPr>
+        </p:nvSpPr>
+        <p:spPr/>
+        <p:txBody>
+          <a:bodyPr/>
+          <a:lstStyle/>
+          <a:p>
+            <a:endParaRPr lang="de-CH"/>
+          </a:p>
+        </p:txBody>
+      </p:sp>
+      <p:sp>
+        <p:nvSpPr>
+          <p:cNvPr id="4" name="Foliennummernplatzhalter 3"/>
+          <p:cNvSpPr>
+            <a:spLocks noGrp="1"/>
+          </p:cNvSpPr>
+          <p:nvPr>
+            <p:ph type="sldNum" sz="quarter" idx="10"/>
+          </p:nvPr>
+        </p:nvSpPr>
+        <p:spPr/>
+        <p:txBody>
+          <a:bodyPr/>
+          <a:lstStyle/>
+          <a:p>
+            <a:fld id="{539D6FB8-A289-4D31-AE1B-368BC10F6FE7}" type="slidenum">
+              <a:rPr lang="de-CH" smtClean="0"/>
+              <a:t>7</a:t>
+            </a:fld>
+            <a:endParaRPr lang="de-CH"/>
+          </a:p>
+        </p:txBody>
+      </p:sp>
+    </p:spTree>
+    <p:extLst>
+      <p:ext uri="{BB962C8B-B14F-4D97-AF65-F5344CB8AC3E}">
+        <p14:creationId xmlns:p14="http://schemas.microsoft.com/office/powerpoint/2010/main" val="4202888466"/>
+      </p:ext>
+    </p:extLst>
+  </p:cSld>
+  <p:clrMapOvr>
+    <a:masterClrMapping/>
+  </p:clrMapOvr>
+</p:notes>
+</file>
+
+<file path=ppt/notesSlides/notesSlide8.xml><?xml version="1.0" encoding="utf-8"?>
+<p:notes xmlns:a="http://schemas.openxmlformats.org/drawingml/2006/main" xmlns:r="http://schemas.openxmlformats.org/officeDocument/2006/relationships" xmlns:p="http://schemas.openxmlformats.org/presentationml/2006/main">
+  <p:cSld>
+    <p:spTree>
+      <p:nvGrpSpPr>
+        <p:cNvPr id="1" name=""/>
+        <p:cNvGrpSpPr/>
+        <p:nvPr/>
+      </p:nvGrpSpPr>
+      <p:grpSpPr>
+        <a:xfrm>
+          <a:off x="0" y="0"/>
+          <a:ext cx="0" cy="0"/>
+          <a:chOff x="0" y="0"/>
+          <a:chExt cx="0" cy="0"/>
+        </a:xfrm>
+      </p:grpSpPr>
+      <p:sp>
+        <p:nvSpPr>
+          <p:cNvPr id="2" name="Folienbildplatzhalter 1"/>
+          <p:cNvSpPr>
+            <a:spLocks noGrp="1" noRot="1" noChangeAspect="1"/>
+          </p:cNvSpPr>
+          <p:nvPr>
+            <p:ph type="sldImg"/>
+          </p:nvPr>
+        </p:nvSpPr>
+        <p:spPr/>
+      </p:sp>
+      <p:sp>
+        <p:nvSpPr>
+          <p:cNvPr id="3" name="Notizenplatzhalter 2"/>
+          <p:cNvSpPr>
+            <a:spLocks noGrp="1"/>
+          </p:cNvSpPr>
+          <p:nvPr>
+            <p:ph type="body" idx="1"/>
+          </p:nvPr>
+        </p:nvSpPr>
+        <p:spPr/>
+        <p:txBody>
+          <a:bodyPr/>
+          <a:lstStyle/>
+          <a:p>
+            <a:endParaRPr lang="de-CH"/>
+          </a:p>
+        </p:txBody>
+      </p:sp>
+      <p:sp>
+        <p:nvSpPr>
+          <p:cNvPr id="4" name="Foliennummernplatzhalter 3"/>
+          <p:cNvSpPr>
+            <a:spLocks noGrp="1"/>
+          </p:cNvSpPr>
+          <p:nvPr>
+            <p:ph type="sldNum" sz="quarter" idx="10"/>
+          </p:nvPr>
+        </p:nvSpPr>
+        <p:spPr/>
+        <p:txBody>
+          <a:bodyPr/>
+          <a:lstStyle/>
+          <a:p>
+            <a:fld id="{539D6FB8-A289-4D31-AE1B-368BC10F6FE7}" type="slidenum">
+              <a:rPr lang="de-CH" smtClean="0"/>
+              <a:t>8</a:t>
+            </a:fld>
+            <a:endParaRPr lang="de-CH"/>
+          </a:p>
+        </p:txBody>
+      </p:sp>
+    </p:spTree>
+    <p:extLst>
+      <p:ext uri="{BB962C8B-B14F-4D97-AF65-F5344CB8AC3E}">
+        <p14:creationId xmlns:p14="http://schemas.microsoft.com/office/powerpoint/2010/main" val="1785620938"/>
+      </p:ext>
+    </p:extLst>
+  </p:cSld>
+  <p:clrMapOvr>
+    <a:masterClrMapping/>
+  </p:clrMapOvr>
+</p:notes>
+</file>
+
+<file path=ppt/notesSlides/notesSlide9.xml><?xml version="1.0" encoding="utf-8"?>
+<p:notes xmlns:a="http://schemas.openxmlformats.org/drawingml/2006/main" xmlns:r="http://schemas.openxmlformats.org/officeDocument/2006/relationships" xmlns:p="http://schemas.openxmlformats.org/presentationml/2006/main">
+  <p:cSld>
+    <p:spTree>
+      <p:nvGrpSpPr>
+        <p:cNvPr id="1" name=""/>
+        <p:cNvGrpSpPr/>
+        <p:nvPr/>
+      </p:nvGrpSpPr>
+      <p:grpSpPr>
+        <a:xfrm>
+          <a:off x="0" y="0"/>
+          <a:ext cx="0" cy="0"/>
+          <a:chOff x="0" y="0"/>
+          <a:chExt cx="0" cy="0"/>
+        </a:xfrm>
+      </p:grpSpPr>
+      <p:sp>
+        <p:nvSpPr>
+          <p:cNvPr id="2" name="Folienbildplatzhalter 1"/>
+          <p:cNvSpPr>
+            <a:spLocks noGrp="1" noRot="1" noChangeAspect="1"/>
+          </p:cNvSpPr>
+          <p:nvPr>
+            <p:ph type="sldImg"/>
+          </p:nvPr>
+        </p:nvSpPr>
+        <p:spPr/>
+      </p:sp>
+      <p:sp>
+        <p:nvSpPr>
+          <p:cNvPr id="3" name="Notizenplatzhalter 2"/>
+          <p:cNvSpPr>
+            <a:spLocks noGrp="1"/>
+          </p:cNvSpPr>
+          <p:nvPr>
+            <p:ph type="body" idx="1"/>
+          </p:nvPr>
+        </p:nvSpPr>
+        <p:spPr/>
+        <p:txBody>
+          <a:bodyPr/>
+          <a:lstStyle/>
+          <a:p>
+            <a:endParaRPr lang="de-CH"/>
+          </a:p>
+        </p:txBody>
+      </p:sp>
+      <p:sp>
+        <p:nvSpPr>
+          <p:cNvPr id="4" name="Foliennummernplatzhalter 3"/>
+          <p:cNvSpPr>
+            <a:spLocks noGrp="1"/>
+          </p:cNvSpPr>
+          <p:nvPr>
+            <p:ph type="sldNum" sz="quarter" idx="10"/>
+          </p:nvPr>
+        </p:nvSpPr>
+        <p:spPr/>
+        <p:txBody>
+          <a:bodyPr/>
+          <a:lstStyle/>
+          <a:p>
+            <a:fld id="{539D6FB8-A289-4D31-AE1B-368BC10F6FE7}" type="slidenum">
+              <a:rPr lang="de-CH" smtClean="0"/>
+              <a:t>9</a:t>
+            </a:fld>
+            <a:endParaRPr lang="de-CH"/>
+          </a:p>
+        </p:txBody>
+      </p:sp>
+    </p:spTree>
+    <p:extLst>
+      <p:ext uri="{BB962C8B-B14F-4D97-AF65-F5344CB8AC3E}">
+        <p14:creationId xmlns:p14="http://schemas.microsoft.com/office/powerpoint/2010/main" val="2517866525"/>
+      </p:ext>
+    </p:extLst>
+  </p:cSld>
+  <p:clrMapOvr>
+    <a:masterClrMapping/>
+  </p:clrMapOvr>
+</p:notes>
+</file>
+
 <file path=ppt/slideLayouts/slideLayout1.xml><?xml version="1.0" encoding="utf-8"?>
 <p:sldLayout xmlns:a="http://schemas.openxmlformats.org/drawingml/2006/main" xmlns:r="http://schemas.openxmlformats.org/officeDocument/2006/relationships" xmlns:p="http://schemas.openxmlformats.org/presentationml/2006/main" type="titleOnly" preserve="1">
   <p:cSld name="Title Only">
@@ -831,7 +2001,7 @@
           <a:p>
             <a:fld id="{1BA50D42-C9CD-4801-B293-61D1F53EC57E}" type="datetimeFigureOut">
               <a:rPr lang="de-DE" smtClean="0"/>
-              <a:t>08.12.2014</a:t>
+              <a:t>09.12.2014</a:t>
             </a:fld>
             <a:endParaRPr lang="de-DE"/>
           </a:p>
@@ -1030,7 +2200,7 @@
           <a:p>
             <a:fld id="{1BA50D42-C9CD-4801-B293-61D1F53EC57E}" type="datetimeFigureOut">
               <a:rPr lang="de-DE" smtClean="0"/>
-              <a:t>08.12.2014</a:t>
+              <a:t>09.12.2014</a:t>
             </a:fld>
             <a:endParaRPr lang="de-DE"/>
           </a:p>
@@ -1583,7 +2753,7 @@
           <a:p>
             <a:fld id="{1BA50D42-C9CD-4801-B293-61D1F53EC57E}" type="datetimeFigureOut">
               <a:rPr lang="de-DE" smtClean="0"/>
-              <a:t>08.12.2014</a:t>
+              <a:t>09.12.2014</a:t>
             </a:fld>
             <a:endParaRPr lang="de-DE"/>
           </a:p>
@@ -1853,7 +3023,7 @@
           <a:p>
             <a:fld id="{1BA50D42-C9CD-4801-B293-61D1F53EC57E}" type="datetimeFigureOut">
               <a:rPr lang="de-DE" smtClean="0"/>
-              <a:t>08.12.2014</a:t>
+              <a:t>09.12.2014</a:t>
             </a:fld>
             <a:endParaRPr lang="de-DE"/>
           </a:p>
@@ -2006,7 +3176,7 @@
           <a:p>
             <a:fld id="{1BA50D42-C9CD-4801-B293-61D1F53EC57E}" type="datetimeFigureOut">
               <a:rPr lang="de-DE" smtClean="0"/>
-              <a:t>08.12.2014</a:t>
+              <a:t>09.12.2014</a:t>
             </a:fld>
             <a:endParaRPr lang="de-DE"/>
           </a:p>
@@ -2388,7 +3558,7 @@
           <a:p>
             <a:fld id="{1BA50D42-C9CD-4801-B293-61D1F53EC57E}" type="datetimeFigureOut">
               <a:rPr lang="de-DE" smtClean="0"/>
-              <a:t>08.12.2014</a:t>
+              <a:t>09.12.2014</a:t>
             </a:fld>
             <a:endParaRPr lang="de-DE"/>
           </a:p>
@@ -2691,7 +3861,7 @@
           <a:p>
             <a:fld id="{1BA50D42-C9CD-4801-B293-61D1F53EC57E}" type="datetimeFigureOut">
               <a:rPr lang="de-DE" smtClean="0"/>
-              <a:t>08.12.2014</a:t>
+              <a:t>09.12.2014</a:t>
             </a:fld>
             <a:endParaRPr lang="de-DE"/>
           </a:p>
@@ -3368,22 +4538,26 @@
         <p:spPr/>
         <p:txBody>
           <a:bodyPr>
-            <a:normAutofit/>
+            <a:noAutofit/>
           </a:bodyPr>
           <a:lstStyle/>
           <a:p>
             <a:r>
-              <a:rPr lang="de-CH" sz="8000" dirty="0" smtClean="0"/>
-              <a:t>Schlussbericht</a:t>
+              <a:rPr lang="de-CH" sz="6000" dirty="0" smtClean="0"/>
+              <a:t>Schlusspräsentation</a:t>
+            </a:r>
+            <a:r>
+              <a:rPr lang="de-CH" sz="6000" dirty="0" smtClean="0"/>
+              <a:t/>
             </a:r>
             <a:br>
-              <a:rPr lang="de-CH" sz="8000" dirty="0" smtClean="0"/>
+              <a:rPr lang="de-CH" sz="6000" dirty="0" smtClean="0"/>
             </a:br>
             <a:r>
-              <a:rPr lang="de-CH" sz="8000" dirty="0" smtClean="0"/>
+              <a:rPr lang="de-CH" sz="6000" dirty="0" smtClean="0"/>
               <a:t>Docker</a:t>
             </a:r>
-            <a:endParaRPr lang="de-CH" sz="8000" dirty="0"/>
+            <a:endParaRPr lang="de-CH" sz="6000" dirty="0"/>
           </a:p>
         </p:txBody>
       </p:sp>
@@ -3397,7 +4571,12 @@
             <p:ph type="subTitle" idx="1"/>
           </p:nvPr>
         </p:nvSpPr>
-        <p:spPr/>
+        <p:spPr>
+          <a:xfrm>
+            <a:off x="934326" y="4365104"/>
+            <a:ext cx="7315200" cy="1144632"/>
+          </a:xfrm>
+        </p:spPr>
         <p:txBody>
           <a:bodyPr>
             <a:normAutofit/>
@@ -3542,7 +4721,7 @@
           <p:nvPr/>
         </p:nvPicPr>
         <p:blipFill>
-          <a:blip r:embed="rId2" cstate="print">
+          <a:blip r:embed="rId3" cstate="print">
             <a:extLst>
               <a:ext uri="{28A0092B-C50C-407E-A947-70E740481C1C}">
                 <a14:useLocalDpi xmlns:a14="http://schemas.microsoft.com/office/drawing/2010/main" val="0"/>
@@ -3583,7 +4762,7 @@
           <p:nvPr/>
         </p:nvPicPr>
         <p:blipFill>
-          <a:blip r:embed="rId3" cstate="print">
+          <a:blip r:embed="rId4" cstate="print">
             <a:extLst>
               <a:ext uri="{28A0092B-C50C-407E-A947-70E740481C1C}">
                 <a14:useLocalDpi xmlns:a14="http://schemas.microsoft.com/office/drawing/2010/main" val="0"/>
@@ -3624,7 +4803,7 @@
           <p:nvPr/>
         </p:nvPicPr>
         <p:blipFill>
-          <a:blip r:embed="rId4" cstate="print">
+          <a:blip r:embed="rId5" cstate="print">
             <a:extLst>
               <a:ext uri="{28A0092B-C50C-407E-A947-70E740481C1C}">
                 <a14:useLocalDpi xmlns:a14="http://schemas.microsoft.com/office/drawing/2010/main" val="0"/>
@@ -3956,7 +5135,7 @@
           <p:nvPr/>
         </p:nvPicPr>
         <p:blipFill>
-          <a:blip r:embed="rId2">
+          <a:blip r:embed="rId3">
             <a:extLst>
               <a:ext uri="{28A0092B-C50C-407E-A947-70E740481C1C}">
                 <a14:useLocalDpi xmlns:a14="http://schemas.microsoft.com/office/drawing/2010/main" val="0"/>
@@ -4659,7 +5838,7 @@
           <p:nvPr/>
         </p:nvPicPr>
         <p:blipFill>
-          <a:blip r:embed="rId2" cstate="print">
+          <a:blip r:embed="rId3" cstate="print">
             <a:extLst>
               <a:ext uri="{28A0092B-C50C-407E-A947-70E740481C1C}">
                 <a14:useLocalDpi xmlns:a14="http://schemas.microsoft.com/office/drawing/2010/main" val="0"/>
@@ -4689,7 +5868,7 @@
           <p:nvPr/>
         </p:nvPicPr>
         <p:blipFill>
-          <a:blip r:embed="rId3" cstate="print">
+          <a:blip r:embed="rId4" cstate="print">
             <a:extLst>
               <a:ext uri="{28A0092B-C50C-407E-A947-70E740481C1C}">
                 <a14:useLocalDpi xmlns:a14="http://schemas.microsoft.com/office/drawing/2010/main" val="0"/>
@@ -4719,7 +5898,7 @@
           <p:nvPr/>
         </p:nvPicPr>
         <p:blipFill>
-          <a:blip r:embed="rId4" cstate="print">
+          <a:blip r:embed="rId5" cstate="print">
             <a:extLst>
               <a:ext uri="{28A0092B-C50C-407E-A947-70E740481C1C}">
                 <a14:useLocalDpi xmlns:a14="http://schemas.microsoft.com/office/drawing/2010/main" val="0"/>
@@ -5094,7 +6273,7 @@
           <p:nvPr/>
         </p:nvPicPr>
         <p:blipFill>
-          <a:blip r:embed="rId2">
+          <a:blip r:embed="rId3">
             <a:extLst>
               <a:ext uri="{28A0092B-C50C-407E-A947-70E740481C1C}">
                 <a14:useLocalDpi xmlns:a14="http://schemas.microsoft.com/office/drawing/2010/main" val="0"/>
@@ -5348,7 +6527,7 @@
           <p:nvPr/>
         </p:nvPicPr>
         <p:blipFill>
-          <a:blip r:embed="rId2">
+          <a:blip r:embed="rId3">
             <a:extLst>
               <a:ext uri="{28A0092B-C50C-407E-A947-70E740481C1C}">
                 <a14:useLocalDpi xmlns:a14="http://schemas.microsoft.com/office/drawing/2010/main" val="0"/>
@@ -5647,7 +6826,7 @@
           <p:nvPr/>
         </p:nvPicPr>
         <p:blipFill>
-          <a:blip r:embed="rId2">
+          <a:blip r:embed="rId3">
             <a:extLst>
               <a:ext uri="{28A0092B-C50C-407E-A947-70E740481C1C}">
                 <a14:useLocalDpi xmlns:a14="http://schemas.microsoft.com/office/drawing/2010/main" val="0"/>
@@ -5955,7 +7134,7 @@
           <p:nvPr/>
         </p:nvPicPr>
         <p:blipFill>
-          <a:blip r:embed="rId2" cstate="print">
+          <a:blip r:embed="rId3" cstate="print">
             <a:extLst>
               <a:ext uri="{28A0092B-C50C-407E-A947-70E740481C1C}">
                 <a14:useLocalDpi xmlns:a14="http://schemas.microsoft.com/office/drawing/2010/main" val="0"/>
@@ -5996,7 +7175,7 @@
           <p:nvPr/>
         </p:nvPicPr>
         <p:blipFill>
-          <a:blip r:embed="rId3" cstate="print">
+          <a:blip r:embed="rId4" cstate="print">
             <a:extLst>
               <a:ext uri="{28A0092B-C50C-407E-A947-70E740481C1C}">
                 <a14:useLocalDpi xmlns:a14="http://schemas.microsoft.com/office/drawing/2010/main" val="0"/>
@@ -6037,7 +7216,7 @@
           <p:nvPr/>
         </p:nvPicPr>
         <p:blipFill>
-          <a:blip r:embed="rId4" cstate="print">
+          <a:blip r:embed="rId5" cstate="print">
             <a:extLst>
               <a:ext uri="{28A0092B-C50C-407E-A947-70E740481C1C}">
                 <a14:useLocalDpi xmlns:a14="http://schemas.microsoft.com/office/drawing/2010/main" val="0"/>
@@ -6078,7 +7257,7 @@
           <p:nvPr/>
         </p:nvPicPr>
         <p:blipFill>
-          <a:blip r:embed="rId5" cstate="print">
+          <a:blip r:embed="rId6" cstate="print">
             <a:extLst>
               <a:ext uri="{28A0092B-C50C-407E-A947-70E740481C1C}">
                 <a14:useLocalDpi xmlns:a14="http://schemas.microsoft.com/office/drawing/2010/main" val="0"/>
@@ -6119,7 +7298,7 @@
           <p:nvPr/>
         </p:nvPicPr>
         <p:blipFill>
-          <a:blip r:embed="rId6" cstate="print">
+          <a:blip r:embed="rId7" cstate="print">
             <a:extLst>
               <a:ext uri="{28A0092B-C50C-407E-A947-70E740481C1C}">
                 <a14:useLocalDpi xmlns:a14="http://schemas.microsoft.com/office/drawing/2010/main" val="0"/>
@@ -6709,7 +7888,7 @@
           <p:nvPr/>
         </p:nvPicPr>
         <p:blipFill>
-          <a:blip r:embed="rId2" cstate="print">
+          <a:blip r:embed="rId3" cstate="print">
             <a:extLst>
               <a:ext uri="{28A0092B-C50C-407E-A947-70E740481C1C}">
                 <a14:useLocalDpi xmlns:a14="http://schemas.microsoft.com/office/drawing/2010/main" val="0"/>
@@ -6750,7 +7929,7 @@
           <p:nvPr/>
         </p:nvPicPr>
         <p:blipFill>
-          <a:blip r:embed="rId3" cstate="print">
+          <a:blip r:embed="rId4" cstate="print">
             <a:extLst>
               <a:ext uri="{28A0092B-C50C-407E-A947-70E740481C1C}">
                 <a14:useLocalDpi xmlns:a14="http://schemas.microsoft.com/office/drawing/2010/main" val="0"/>
@@ -6791,7 +7970,7 @@
           <p:nvPr/>
         </p:nvPicPr>
         <p:blipFill>
-          <a:blip r:embed="rId4" cstate="print">
+          <a:blip r:embed="rId5" cstate="print">
             <a:extLst>
               <a:ext uri="{28A0092B-C50C-407E-A947-70E740481C1C}">
                 <a14:useLocalDpi xmlns:a14="http://schemas.microsoft.com/office/drawing/2010/main" val="0"/>
@@ -6832,7 +8011,7 @@
           <p:nvPr/>
         </p:nvPicPr>
         <p:blipFill>
-          <a:blip r:embed="rId5" cstate="print">
+          <a:blip r:embed="rId6" cstate="print">
             <a:extLst>
               <a:ext uri="{28A0092B-C50C-407E-A947-70E740481C1C}">
                 <a14:useLocalDpi xmlns:a14="http://schemas.microsoft.com/office/drawing/2010/main" val="0"/>
